--- a/make_presentation/templates/templates/classic/_31.pptx
+++ b/make_presentation/templates/templates/classic/_31.pptx
@@ -322,7 +322,7 @@
             <a:pPr algn="r">
               <a:buNone/>
             </a:pPr>
-            <a:fld id="{B67563EE-08DA-4F1C-9A91-4FE6C32A0054}" type="slidenum">
+            <a:fld id="{C6AA4490-6BC1-4ED2-8C32-1D62626DCD18}" type="slidenum">
               <a:rPr b="0" lang="en-US" sz="1400" spc="-1" strike="noStrike">
                 <a:latin typeface="Times New Roman"/>
               </a:rPr>
@@ -370,7 +370,7 @@
         <p:spPr>
           <a:xfrm>
             <a:off x="380880" y="685800"/>
-            <a:ext cx="6091560" cy="3424680"/>
+            <a:ext cx="6091200" cy="3424320"/>
           </a:xfrm>
           <a:prstGeom prst="rect">
             <a:avLst/>
@@ -393,7 +393,7 @@
         <p:spPr>
           <a:xfrm>
             <a:off x="685800" y="4343400"/>
-            <a:ext cx="5482080" cy="4110480"/>
+            <a:ext cx="5481720" cy="4110120"/>
           </a:xfrm>
           <a:prstGeom prst="rect">
             <a:avLst/>
@@ -427,7 +427,7 @@
         <p:spPr>
           <a:xfrm>
             <a:off x="3884760" y="8685360"/>
-            <a:ext cx="2967480" cy="452880"/>
+            <a:ext cx="2967120" cy="452520"/>
           </a:xfrm>
           <a:prstGeom prst="rect">
             <a:avLst/>
@@ -463,7 +463,7 @@
               </a:lnSpc>
               <a:buNone/>
             </a:pPr>
-            <a:fld id="{D11D4C33-1176-4C3E-8DE6-938BCB34CB6B}" type="slidenum">
+            <a:fld id="{9D4F8B37-A2A7-4F08-886E-E3FD993940D2}" type="slidenum">
               <a:rPr b="0" lang="en-US" sz="1200" spc="-1" strike="noStrike">
                 <a:solidFill>
                   <a:srgbClr val="000000"/>
@@ -514,7 +514,7 @@
         <p:spPr>
           <a:xfrm>
             <a:off x="380880" y="685800"/>
-            <a:ext cx="6091560" cy="3424680"/>
+            <a:ext cx="6091200" cy="3424320"/>
           </a:xfrm>
           <a:prstGeom prst="rect">
             <a:avLst/>
@@ -537,7 +537,7 @@
         <p:spPr>
           <a:xfrm>
             <a:off x="685800" y="4343400"/>
-            <a:ext cx="5482080" cy="4110480"/>
+            <a:ext cx="5481720" cy="4110120"/>
           </a:xfrm>
           <a:prstGeom prst="rect">
             <a:avLst/>
@@ -571,7 +571,7 @@
         <p:spPr>
           <a:xfrm>
             <a:off x="3884760" y="8685360"/>
-            <a:ext cx="2967480" cy="452880"/>
+            <a:ext cx="2967120" cy="452520"/>
           </a:xfrm>
           <a:prstGeom prst="rect">
             <a:avLst/>
@@ -607,7 +607,7 @@
               </a:lnSpc>
               <a:buNone/>
             </a:pPr>
-            <a:fld id="{ADAF1FA2-F698-440C-82F6-61205D36A385}" type="slidenum">
+            <a:fld id="{7A99A352-2746-4328-9818-7D552C37CD96}" type="slidenum">
               <a:rPr b="0" lang="en-US" sz="1200" spc="-1" strike="noStrike">
                 <a:solidFill>
                   <a:srgbClr val="000000"/>
@@ -658,7 +658,7 @@
         <p:spPr>
           <a:xfrm>
             <a:off x="380880" y="685800"/>
-            <a:ext cx="6091560" cy="3424680"/>
+            <a:ext cx="6091200" cy="3424320"/>
           </a:xfrm>
           <a:prstGeom prst="rect">
             <a:avLst/>
@@ -681,7 +681,7 @@
         <p:spPr>
           <a:xfrm>
             <a:off x="685800" y="4343400"/>
-            <a:ext cx="5482080" cy="4110480"/>
+            <a:ext cx="5481720" cy="4110120"/>
           </a:xfrm>
           <a:prstGeom prst="rect">
             <a:avLst/>
@@ -715,7 +715,7 @@
         <p:spPr>
           <a:xfrm>
             <a:off x="3884760" y="8685360"/>
-            <a:ext cx="2967480" cy="452880"/>
+            <a:ext cx="2967120" cy="452520"/>
           </a:xfrm>
           <a:prstGeom prst="rect">
             <a:avLst/>
@@ -751,7 +751,7 @@
               </a:lnSpc>
               <a:buNone/>
             </a:pPr>
-            <a:fld id="{B348A8D6-26B3-4D28-98F3-8FE833727087}" type="slidenum">
+            <a:fld id="{3B094FCC-2B93-4999-8368-3227EF985153}" type="slidenum">
               <a:rPr b="0" lang="en-US" sz="1200" spc="-1" strike="noStrike">
                 <a:solidFill>
                   <a:srgbClr val="000000"/>
@@ -802,7 +802,7 @@
         <p:spPr>
           <a:xfrm>
             <a:off x="380880" y="685800"/>
-            <a:ext cx="6091560" cy="3424680"/>
+            <a:ext cx="6091200" cy="3424320"/>
           </a:xfrm>
           <a:prstGeom prst="rect">
             <a:avLst/>
@@ -825,7 +825,7 @@
         <p:spPr>
           <a:xfrm>
             <a:off x="685800" y="4343400"/>
-            <a:ext cx="5482080" cy="4110480"/>
+            <a:ext cx="5481720" cy="4110120"/>
           </a:xfrm>
           <a:prstGeom prst="rect">
             <a:avLst/>
@@ -859,7 +859,7 @@
         <p:spPr>
           <a:xfrm>
             <a:off x="3884760" y="8685360"/>
-            <a:ext cx="2967480" cy="452880"/>
+            <a:ext cx="2967120" cy="452520"/>
           </a:xfrm>
           <a:prstGeom prst="rect">
             <a:avLst/>
@@ -895,7 +895,7 @@
               </a:lnSpc>
               <a:buNone/>
             </a:pPr>
-            <a:fld id="{E84730A2-181B-4B79-B12D-D1FD8CAC868A}" type="slidenum">
+            <a:fld id="{6EB087CA-788F-4015-9A16-28F837D12EEA}" type="slidenum">
               <a:rPr b="0" lang="en-US" sz="1200" spc="-1" strike="noStrike">
                 <a:solidFill>
                   <a:srgbClr val="000000"/>
@@ -946,7 +946,7 @@
         <p:spPr>
           <a:xfrm>
             <a:off x="380880" y="685800"/>
-            <a:ext cx="6091560" cy="3424680"/>
+            <a:ext cx="6091200" cy="3424320"/>
           </a:xfrm>
           <a:prstGeom prst="rect">
             <a:avLst/>
@@ -969,7 +969,7 @@
         <p:spPr>
           <a:xfrm>
             <a:off x="685800" y="4343400"/>
-            <a:ext cx="5482080" cy="4110480"/>
+            <a:ext cx="5481720" cy="4110120"/>
           </a:xfrm>
           <a:prstGeom prst="rect">
             <a:avLst/>
@@ -1003,7 +1003,7 @@
         <p:spPr>
           <a:xfrm>
             <a:off x="3884760" y="8685360"/>
-            <a:ext cx="2967480" cy="452880"/>
+            <a:ext cx="2967120" cy="452520"/>
           </a:xfrm>
           <a:prstGeom prst="rect">
             <a:avLst/>
@@ -1039,7 +1039,7 @@
               </a:lnSpc>
               <a:buNone/>
             </a:pPr>
-            <a:fld id="{F4BB1E9B-CBE8-40FE-A6F8-85426CE85D51}" type="slidenum">
+            <a:fld id="{1BF73419-27D2-415C-810D-43F1877FDF00}" type="slidenum">
               <a:rPr b="0" lang="en-US" sz="1200" spc="-1" strike="noStrike">
                 <a:solidFill>
                   <a:srgbClr val="000000"/>
@@ -1090,7 +1090,7 @@
         <p:spPr>
           <a:xfrm>
             <a:off x="380880" y="685800"/>
-            <a:ext cx="6091560" cy="3424680"/>
+            <a:ext cx="6091200" cy="3424320"/>
           </a:xfrm>
           <a:prstGeom prst="rect">
             <a:avLst/>
@@ -1113,7 +1113,7 @@
         <p:spPr>
           <a:xfrm>
             <a:off x="685800" y="4343400"/>
-            <a:ext cx="5482080" cy="4110480"/>
+            <a:ext cx="5481720" cy="4110120"/>
           </a:xfrm>
           <a:prstGeom prst="rect">
             <a:avLst/>
@@ -1147,7 +1147,7 @@
         <p:spPr>
           <a:xfrm>
             <a:off x="3884760" y="8685360"/>
-            <a:ext cx="2967480" cy="452880"/>
+            <a:ext cx="2967120" cy="452520"/>
           </a:xfrm>
           <a:prstGeom prst="rect">
             <a:avLst/>
@@ -1183,7 +1183,7 @@
               </a:lnSpc>
               <a:buNone/>
             </a:pPr>
-            <a:fld id="{849DEBCF-7074-48C8-8E72-8CBEC57E46B8}" type="slidenum">
+            <a:fld id="{988428AC-A33F-44D2-8A05-7292428DE851}" type="slidenum">
               <a:rPr b="0" lang="en-US" sz="1200" spc="-1" strike="noStrike">
                 <a:solidFill>
                   <a:srgbClr val="000000"/>
@@ -1234,7 +1234,7 @@
         <p:spPr>
           <a:xfrm>
             <a:off x="380880" y="685800"/>
-            <a:ext cx="6091560" cy="3424680"/>
+            <a:ext cx="6091200" cy="3424320"/>
           </a:xfrm>
           <a:prstGeom prst="rect">
             <a:avLst/>
@@ -1257,7 +1257,7 @@
         <p:spPr>
           <a:xfrm>
             <a:off x="685800" y="4343400"/>
-            <a:ext cx="5482080" cy="4110480"/>
+            <a:ext cx="5481720" cy="4110120"/>
           </a:xfrm>
           <a:prstGeom prst="rect">
             <a:avLst/>
@@ -1291,7 +1291,7 @@
         <p:spPr>
           <a:xfrm>
             <a:off x="3884760" y="8685360"/>
-            <a:ext cx="2967480" cy="452880"/>
+            <a:ext cx="2967120" cy="452520"/>
           </a:xfrm>
           <a:prstGeom prst="rect">
             <a:avLst/>
@@ -1327,7 +1327,7 @@
               </a:lnSpc>
               <a:buNone/>
             </a:pPr>
-            <a:fld id="{FDCD5B8C-49D5-409A-A1BF-C2B2361B985C}" type="slidenum">
+            <a:fld id="{7B2E74FA-BD0F-460F-B425-6A88F7B53B89}" type="slidenum">
               <a:rPr b="0" lang="en-US" sz="1200" spc="-1" strike="noStrike">
                 <a:solidFill>
                   <a:srgbClr val="000000"/>
@@ -1378,7 +1378,7 @@
         <p:spPr>
           <a:xfrm>
             <a:off x="380880" y="685800"/>
-            <a:ext cx="6091560" cy="3424680"/>
+            <a:ext cx="6091200" cy="3424320"/>
           </a:xfrm>
           <a:prstGeom prst="rect">
             <a:avLst/>
@@ -1401,7 +1401,7 @@
         <p:spPr>
           <a:xfrm>
             <a:off x="685800" y="4343400"/>
-            <a:ext cx="5482080" cy="4110480"/>
+            <a:ext cx="5481720" cy="4110120"/>
           </a:xfrm>
           <a:prstGeom prst="rect">
             <a:avLst/>
@@ -1435,7 +1435,7 @@
         <p:spPr>
           <a:xfrm>
             <a:off x="3884760" y="8685360"/>
-            <a:ext cx="2967480" cy="452880"/>
+            <a:ext cx="2967120" cy="452520"/>
           </a:xfrm>
           <a:prstGeom prst="rect">
             <a:avLst/>
@@ -1471,7 +1471,7 @@
               </a:lnSpc>
               <a:buNone/>
             </a:pPr>
-            <a:fld id="{CFF34906-9A91-4A7C-8E48-CF33A9B2D0CD}" type="slidenum">
+            <a:fld id="{18FED2DE-9CD9-4E84-A256-2BCEB90A2DB3}" type="slidenum">
               <a:rPr b="0" lang="en-US" sz="1200" spc="-1" strike="noStrike">
                 <a:solidFill>
                   <a:srgbClr val="000000"/>
@@ -1522,7 +1522,7 @@
         <p:spPr>
           <a:xfrm>
             <a:off x="380880" y="685800"/>
-            <a:ext cx="6091560" cy="3424680"/>
+            <a:ext cx="6091200" cy="3424320"/>
           </a:xfrm>
           <a:prstGeom prst="rect">
             <a:avLst/>
@@ -1545,7 +1545,7 @@
         <p:spPr>
           <a:xfrm>
             <a:off x="685800" y="4343400"/>
-            <a:ext cx="5482080" cy="4110480"/>
+            <a:ext cx="5481720" cy="4110120"/>
           </a:xfrm>
           <a:prstGeom prst="rect">
             <a:avLst/>
@@ -1579,7 +1579,7 @@
         <p:spPr>
           <a:xfrm>
             <a:off x="3884760" y="8685360"/>
-            <a:ext cx="2967480" cy="452880"/>
+            <a:ext cx="2967120" cy="452520"/>
           </a:xfrm>
           <a:prstGeom prst="rect">
             <a:avLst/>
@@ -1615,7 +1615,7 @@
               </a:lnSpc>
               <a:buNone/>
             </a:pPr>
-            <a:fld id="{5C64CCFC-BB28-47CF-AB40-991935C694B6}" type="slidenum">
+            <a:fld id="{B9118DCF-3D8D-40C7-A5CA-2C4646F99208}" type="slidenum">
               <a:rPr b="0" lang="en-US" sz="1200" spc="-1" strike="noStrike">
                 <a:solidFill>
                   <a:srgbClr val="000000"/>
@@ -1666,7 +1666,7 @@
         <p:spPr>
           <a:xfrm>
             <a:off x="380880" y="685800"/>
-            <a:ext cx="6091560" cy="3424680"/>
+            <a:ext cx="6091200" cy="3424320"/>
           </a:xfrm>
           <a:prstGeom prst="rect">
             <a:avLst/>
@@ -1689,7 +1689,7 @@
         <p:spPr>
           <a:xfrm>
             <a:off x="685800" y="4343400"/>
-            <a:ext cx="5482080" cy="4110480"/>
+            <a:ext cx="5481720" cy="4110120"/>
           </a:xfrm>
           <a:prstGeom prst="rect">
             <a:avLst/>
@@ -1723,7 +1723,7 @@
         <p:spPr>
           <a:xfrm>
             <a:off x="3884760" y="8685360"/>
-            <a:ext cx="2967480" cy="452880"/>
+            <a:ext cx="2967120" cy="452520"/>
           </a:xfrm>
           <a:prstGeom prst="rect">
             <a:avLst/>
@@ -1759,7 +1759,7 @@
               </a:lnSpc>
               <a:buNone/>
             </a:pPr>
-            <a:fld id="{D542A7DF-1B26-4FF8-878C-0F955A1918ED}" type="slidenum">
+            <a:fld id="{9276001B-60ED-46E1-B5D4-631942B5843B}" type="slidenum">
               <a:rPr b="0" lang="en-US" sz="1200" spc="-1" strike="noStrike">
                 <a:solidFill>
                   <a:srgbClr val="000000"/>
@@ -1810,7 +1810,7 @@
         <p:spPr>
           <a:xfrm>
             <a:off x="380880" y="685800"/>
-            <a:ext cx="6091560" cy="3424680"/>
+            <a:ext cx="6091200" cy="3424320"/>
           </a:xfrm>
           <a:prstGeom prst="rect">
             <a:avLst/>
@@ -1833,7 +1833,7 @@
         <p:spPr>
           <a:xfrm>
             <a:off x="685800" y="4343400"/>
-            <a:ext cx="5482080" cy="4110480"/>
+            <a:ext cx="5481720" cy="4110120"/>
           </a:xfrm>
           <a:prstGeom prst="rect">
             <a:avLst/>
@@ -1867,7 +1867,7 @@
         <p:spPr>
           <a:xfrm>
             <a:off x="3884760" y="8685360"/>
-            <a:ext cx="2967480" cy="452880"/>
+            <a:ext cx="2967120" cy="452520"/>
           </a:xfrm>
           <a:prstGeom prst="rect">
             <a:avLst/>
@@ -1903,7 +1903,7 @@
               </a:lnSpc>
               <a:buNone/>
             </a:pPr>
-            <a:fld id="{C45F2E48-6D11-451C-A1C3-91ADDF339870}" type="slidenum">
+            <a:fld id="{FE11C905-04A7-4D51-947E-408A1C7F696F}" type="slidenum">
               <a:rPr b="0" lang="en-US" sz="1200" spc="-1" strike="noStrike">
                 <a:solidFill>
                   <a:srgbClr val="000000"/>
@@ -1954,7 +1954,7 @@
         <p:spPr>
           <a:xfrm>
             <a:off x="380880" y="685800"/>
-            <a:ext cx="6091560" cy="3424680"/>
+            <a:ext cx="6091200" cy="3424320"/>
           </a:xfrm>
           <a:prstGeom prst="rect">
             <a:avLst/>
@@ -1977,7 +1977,7 @@
         <p:spPr>
           <a:xfrm>
             <a:off x="685800" y="4343400"/>
-            <a:ext cx="5482080" cy="4110480"/>
+            <a:ext cx="5481720" cy="4110120"/>
           </a:xfrm>
           <a:prstGeom prst="rect">
             <a:avLst/>
@@ -2011,7 +2011,7 @@
         <p:spPr>
           <a:xfrm>
             <a:off x="3884760" y="8685360"/>
-            <a:ext cx="2967480" cy="452880"/>
+            <a:ext cx="2967120" cy="452520"/>
           </a:xfrm>
           <a:prstGeom prst="rect">
             <a:avLst/>
@@ -2047,7 +2047,7 @@
               </a:lnSpc>
               <a:buNone/>
             </a:pPr>
-            <a:fld id="{3112DED6-F543-4AA8-A14E-81E4AE31B231}" type="slidenum">
+            <a:fld id="{63986156-76F3-414E-9254-79903277F6C4}" type="slidenum">
               <a:rPr b="0" lang="en-US" sz="1200" spc="-1" strike="noStrike">
                 <a:solidFill>
                   <a:srgbClr val="000000"/>
@@ -2098,7 +2098,7 @@
         <p:spPr>
           <a:xfrm>
             <a:off x="380880" y="685800"/>
-            <a:ext cx="6091560" cy="3424680"/>
+            <a:ext cx="6091200" cy="3424320"/>
           </a:xfrm>
           <a:prstGeom prst="rect">
             <a:avLst/>
@@ -2121,7 +2121,7 @@
         <p:spPr>
           <a:xfrm>
             <a:off x="685800" y="4343400"/>
-            <a:ext cx="5482080" cy="4110480"/>
+            <a:ext cx="5481720" cy="4110120"/>
           </a:xfrm>
           <a:prstGeom prst="rect">
             <a:avLst/>
@@ -2155,7 +2155,7 @@
         <p:spPr>
           <a:xfrm>
             <a:off x="3884760" y="8685360"/>
-            <a:ext cx="2967480" cy="452880"/>
+            <a:ext cx="2967120" cy="452520"/>
           </a:xfrm>
           <a:prstGeom prst="rect">
             <a:avLst/>
@@ -2191,7 +2191,7 @@
               </a:lnSpc>
               <a:buNone/>
             </a:pPr>
-            <a:fld id="{9A777B9F-817E-43D0-8CB4-EE1A98A4EDAF}" type="slidenum">
+            <a:fld id="{369F5064-3290-4BC7-9221-E600D25E0D0A}" type="slidenum">
               <a:rPr b="0" lang="en-US" sz="1200" spc="-1" strike="noStrike">
                 <a:solidFill>
                   <a:srgbClr val="000000"/>
@@ -2242,7 +2242,7 @@
         <p:spPr>
           <a:xfrm>
             <a:off x="380880" y="685800"/>
-            <a:ext cx="6091560" cy="3424680"/>
+            <a:ext cx="6091200" cy="3424320"/>
           </a:xfrm>
           <a:prstGeom prst="rect">
             <a:avLst/>
@@ -2265,7 +2265,7 @@
         <p:spPr>
           <a:xfrm>
             <a:off x="685800" y="4343400"/>
-            <a:ext cx="5482080" cy="4110480"/>
+            <a:ext cx="5481720" cy="4110120"/>
           </a:xfrm>
           <a:prstGeom prst="rect">
             <a:avLst/>
@@ -2299,7 +2299,7 @@
         <p:spPr>
           <a:xfrm>
             <a:off x="3884760" y="8685360"/>
-            <a:ext cx="2967480" cy="452880"/>
+            <a:ext cx="2967120" cy="452520"/>
           </a:xfrm>
           <a:prstGeom prst="rect">
             <a:avLst/>
@@ -2335,7 +2335,7 @@
               </a:lnSpc>
               <a:buNone/>
             </a:pPr>
-            <a:fld id="{914BF0E7-1826-4157-940B-07F6E7197D38}" type="slidenum">
+            <a:fld id="{2BF67A8B-F779-4D13-906D-6677C424D24E}" type="slidenum">
               <a:rPr b="0" lang="en-US" sz="1200" spc="-1" strike="noStrike">
                 <a:solidFill>
                   <a:srgbClr val="000000"/>
@@ -2386,7 +2386,7 @@
         <p:spPr>
           <a:xfrm>
             <a:off x="380880" y="685800"/>
-            <a:ext cx="6091560" cy="3424680"/>
+            <a:ext cx="6091200" cy="3424320"/>
           </a:xfrm>
           <a:prstGeom prst="rect">
             <a:avLst/>
@@ -2409,7 +2409,7 @@
         <p:spPr>
           <a:xfrm>
             <a:off x="685800" y="4343400"/>
-            <a:ext cx="5482080" cy="4110480"/>
+            <a:ext cx="5481720" cy="4110120"/>
           </a:xfrm>
           <a:prstGeom prst="rect">
             <a:avLst/>
@@ -2443,7 +2443,7 @@
         <p:spPr>
           <a:xfrm>
             <a:off x="3884760" y="8685360"/>
-            <a:ext cx="2967480" cy="452880"/>
+            <a:ext cx="2967120" cy="452520"/>
           </a:xfrm>
           <a:prstGeom prst="rect">
             <a:avLst/>
@@ -2479,7 +2479,7 @@
               </a:lnSpc>
               <a:buNone/>
             </a:pPr>
-            <a:fld id="{FB63CCDE-3D9B-4474-AE37-0DAF781B779B}" type="slidenum">
+            <a:fld id="{2B629ABE-190A-4F94-BD8A-57221C20EE84}" type="slidenum">
               <a:rPr b="0" lang="en-US" sz="1200" spc="-1" strike="noStrike">
                 <a:solidFill>
                   <a:srgbClr val="000000"/>
@@ -2530,7 +2530,7 @@
         <p:spPr>
           <a:xfrm>
             <a:off x="380880" y="685800"/>
-            <a:ext cx="6091560" cy="3424680"/>
+            <a:ext cx="6091200" cy="3424320"/>
           </a:xfrm>
           <a:prstGeom prst="rect">
             <a:avLst/>
@@ -2553,7 +2553,7 @@
         <p:spPr>
           <a:xfrm>
             <a:off x="685800" y="4343400"/>
-            <a:ext cx="5482080" cy="4110480"/>
+            <a:ext cx="5481720" cy="4110120"/>
           </a:xfrm>
           <a:prstGeom prst="rect">
             <a:avLst/>
@@ -2587,7 +2587,7 @@
         <p:spPr>
           <a:xfrm>
             <a:off x="3884760" y="8685360"/>
-            <a:ext cx="2967480" cy="452880"/>
+            <a:ext cx="2967120" cy="452520"/>
           </a:xfrm>
           <a:prstGeom prst="rect">
             <a:avLst/>
@@ -2623,7 +2623,7 @@
               </a:lnSpc>
               <a:buNone/>
             </a:pPr>
-            <a:fld id="{3234BD4B-B876-44E2-B5B2-111B75F54D27}" type="slidenum">
+            <a:fld id="{3B7D6CC9-C191-4E46-B657-4FE1C98BEB4F}" type="slidenum">
               <a:rPr b="0" lang="en-US" sz="1200" spc="-1" strike="noStrike">
                 <a:solidFill>
                   <a:srgbClr val="000000"/>
@@ -2674,7 +2674,7 @@
         <p:spPr>
           <a:xfrm>
             <a:off x="380880" y="685800"/>
-            <a:ext cx="6091560" cy="3424680"/>
+            <a:ext cx="6091200" cy="3424320"/>
           </a:xfrm>
           <a:prstGeom prst="rect">
             <a:avLst/>
@@ -2697,7 +2697,7 @@
         <p:spPr>
           <a:xfrm>
             <a:off x="685800" y="4343400"/>
-            <a:ext cx="5482080" cy="4110480"/>
+            <a:ext cx="5481720" cy="4110120"/>
           </a:xfrm>
           <a:prstGeom prst="rect">
             <a:avLst/>
@@ -2731,7 +2731,7 @@
         <p:spPr>
           <a:xfrm>
             <a:off x="3884760" y="8685360"/>
-            <a:ext cx="2967480" cy="452880"/>
+            <a:ext cx="2967120" cy="452520"/>
           </a:xfrm>
           <a:prstGeom prst="rect">
             <a:avLst/>
@@ -2767,7 +2767,7 @@
               </a:lnSpc>
               <a:buNone/>
             </a:pPr>
-            <a:fld id="{2DBE441E-53A4-4A0B-8514-DCBF025B8D87}" type="slidenum">
+            <a:fld id="{368E24B3-577C-467A-8E65-7AFACA7328C6}" type="slidenum">
               <a:rPr b="0" lang="en-US" sz="1200" spc="-1" strike="noStrike">
                 <a:solidFill>
                   <a:srgbClr val="000000"/>
@@ -2818,7 +2818,7 @@
         <p:spPr>
           <a:xfrm>
             <a:off x="380880" y="685800"/>
-            <a:ext cx="6091560" cy="3424680"/>
+            <a:ext cx="6091200" cy="3424320"/>
           </a:xfrm>
           <a:prstGeom prst="rect">
             <a:avLst/>
@@ -2841,7 +2841,7 @@
         <p:spPr>
           <a:xfrm>
             <a:off x="685800" y="4343400"/>
-            <a:ext cx="5482080" cy="4110480"/>
+            <a:ext cx="5481720" cy="4110120"/>
           </a:xfrm>
           <a:prstGeom prst="rect">
             <a:avLst/>
@@ -2875,7 +2875,7 @@
         <p:spPr>
           <a:xfrm>
             <a:off x="3884760" y="8685360"/>
-            <a:ext cx="2967480" cy="452880"/>
+            <a:ext cx="2967120" cy="452520"/>
           </a:xfrm>
           <a:prstGeom prst="rect">
             <a:avLst/>
@@ -2911,7 +2911,7 @@
               </a:lnSpc>
               <a:buNone/>
             </a:pPr>
-            <a:fld id="{778B4D70-076F-40D3-974D-F8690ACD9FAD}" type="slidenum">
+            <a:fld id="{5D987066-738C-4B62-ABA4-0C3236AA62FD}" type="slidenum">
               <a:rPr b="0" lang="en-US" sz="1200" spc="-1" strike="noStrike">
                 <a:solidFill>
                   <a:srgbClr val="000000"/>
@@ -2962,7 +2962,7 @@
         <p:spPr>
           <a:xfrm>
             <a:off x="380880" y="685800"/>
-            <a:ext cx="6091560" cy="3424680"/>
+            <a:ext cx="6091200" cy="3424320"/>
           </a:xfrm>
           <a:prstGeom prst="rect">
             <a:avLst/>
@@ -2985,7 +2985,7 @@
         <p:spPr>
           <a:xfrm>
             <a:off x="685800" y="4343400"/>
-            <a:ext cx="5482080" cy="4110480"/>
+            <a:ext cx="5481720" cy="4110120"/>
           </a:xfrm>
           <a:prstGeom prst="rect">
             <a:avLst/>
@@ -3019,7 +3019,7 @@
         <p:spPr>
           <a:xfrm>
             <a:off x="3884760" y="8685360"/>
-            <a:ext cx="2967480" cy="452880"/>
+            <a:ext cx="2967120" cy="452520"/>
           </a:xfrm>
           <a:prstGeom prst="rect">
             <a:avLst/>
@@ -3055,7 +3055,7 @@
               </a:lnSpc>
               <a:buNone/>
             </a:pPr>
-            <a:fld id="{ADE3FCE3-4383-4640-BD53-45C1AB72F1A1}" type="slidenum">
+            <a:fld id="{BDC806DC-1130-414A-9960-C83AD6904C80}" type="slidenum">
               <a:rPr b="0" lang="en-US" sz="1200" spc="-1" strike="noStrike">
                 <a:solidFill>
                   <a:srgbClr val="000000"/>
@@ -3106,7 +3106,7 @@
         <p:spPr>
           <a:xfrm>
             <a:off x="380880" y="685800"/>
-            <a:ext cx="6091560" cy="3424680"/>
+            <a:ext cx="6091200" cy="3424320"/>
           </a:xfrm>
           <a:prstGeom prst="rect">
             <a:avLst/>
@@ -3129,7 +3129,7 @@
         <p:spPr>
           <a:xfrm>
             <a:off x="685800" y="4343400"/>
-            <a:ext cx="5482080" cy="4110480"/>
+            <a:ext cx="5481720" cy="4110120"/>
           </a:xfrm>
           <a:prstGeom prst="rect">
             <a:avLst/>
@@ -3163,7 +3163,7 @@
         <p:spPr>
           <a:xfrm>
             <a:off x="3884760" y="8685360"/>
-            <a:ext cx="2967480" cy="452880"/>
+            <a:ext cx="2967120" cy="452520"/>
           </a:xfrm>
           <a:prstGeom prst="rect">
             <a:avLst/>
@@ -3199,7 +3199,7 @@
               </a:lnSpc>
               <a:buNone/>
             </a:pPr>
-            <a:fld id="{C61BEC9A-FA51-4D44-AA0E-15990F1DA06B}" type="slidenum">
+            <a:fld id="{F5A09C89-26DC-471D-AB7C-F91A78D64F73}" type="slidenum">
               <a:rPr b="0" lang="en-US" sz="1200" spc="-1" strike="noStrike">
                 <a:solidFill>
                   <a:srgbClr val="000000"/>
@@ -3250,7 +3250,7 @@
         <p:spPr>
           <a:xfrm>
             <a:off x="380880" y="685800"/>
-            <a:ext cx="6091560" cy="3424680"/>
+            <a:ext cx="6091200" cy="3424320"/>
           </a:xfrm>
           <a:prstGeom prst="rect">
             <a:avLst/>
@@ -3273,7 +3273,7 @@
         <p:spPr>
           <a:xfrm>
             <a:off x="685800" y="4343400"/>
-            <a:ext cx="5482080" cy="4110480"/>
+            <a:ext cx="5481720" cy="4110120"/>
           </a:xfrm>
           <a:prstGeom prst="rect">
             <a:avLst/>
@@ -3307,7 +3307,7 @@
         <p:spPr>
           <a:xfrm>
             <a:off x="3884760" y="8685360"/>
-            <a:ext cx="2967480" cy="452880"/>
+            <a:ext cx="2967120" cy="452520"/>
           </a:xfrm>
           <a:prstGeom prst="rect">
             <a:avLst/>
@@ -3343,7 +3343,7 @@
               </a:lnSpc>
               <a:buNone/>
             </a:pPr>
-            <a:fld id="{DF3AB805-CCDC-4BC1-A1DC-669D179D3B14}" type="slidenum">
+            <a:fld id="{038A9915-0CB1-4EA4-A0CF-B38FFA4C911C}" type="slidenum">
               <a:rPr b="0" lang="en-US" sz="1200" spc="-1" strike="noStrike">
                 <a:solidFill>
                   <a:srgbClr val="000000"/>
@@ -3394,7 +3394,7 @@
         <p:spPr>
           <a:xfrm>
             <a:off x="380880" y="685800"/>
-            <a:ext cx="6091560" cy="3424680"/>
+            <a:ext cx="6091200" cy="3424320"/>
           </a:xfrm>
           <a:prstGeom prst="rect">
             <a:avLst/>
@@ -3417,7 +3417,7 @@
         <p:spPr>
           <a:xfrm>
             <a:off x="685800" y="4343400"/>
-            <a:ext cx="5482080" cy="4110480"/>
+            <a:ext cx="5481720" cy="4110120"/>
           </a:xfrm>
           <a:prstGeom prst="rect">
             <a:avLst/>
@@ -3451,7 +3451,7 @@
         <p:spPr>
           <a:xfrm>
             <a:off x="3884760" y="8685360"/>
-            <a:ext cx="2967480" cy="452880"/>
+            <a:ext cx="2967120" cy="452520"/>
           </a:xfrm>
           <a:prstGeom prst="rect">
             <a:avLst/>
@@ -3487,7 +3487,7 @@
               </a:lnSpc>
               <a:buNone/>
             </a:pPr>
-            <a:fld id="{F8C973D7-C38E-4194-A6C3-9FEED265E68B}" type="slidenum">
+            <a:fld id="{F2385230-1E4D-4B3E-AE05-51B274BE577A}" type="slidenum">
               <a:rPr b="0" lang="en-US" sz="1200" spc="-1" strike="noStrike">
                 <a:solidFill>
                   <a:srgbClr val="000000"/>
@@ -3538,7 +3538,7 @@
         <p:spPr>
           <a:xfrm>
             <a:off x="380880" y="685800"/>
-            <a:ext cx="6091560" cy="3424680"/>
+            <a:ext cx="6091200" cy="3424320"/>
           </a:xfrm>
           <a:prstGeom prst="rect">
             <a:avLst/>
@@ -3561,7 +3561,7 @@
         <p:spPr>
           <a:xfrm>
             <a:off x="685800" y="4343400"/>
-            <a:ext cx="5482080" cy="4110480"/>
+            <a:ext cx="5481720" cy="4110120"/>
           </a:xfrm>
           <a:prstGeom prst="rect">
             <a:avLst/>
@@ -3595,7 +3595,7 @@
         <p:spPr>
           <a:xfrm>
             <a:off x="3884760" y="8685360"/>
-            <a:ext cx="2967480" cy="452880"/>
+            <a:ext cx="2967120" cy="452520"/>
           </a:xfrm>
           <a:prstGeom prst="rect">
             <a:avLst/>
@@ -3631,7 +3631,7 @@
               </a:lnSpc>
               <a:buNone/>
             </a:pPr>
-            <a:fld id="{B185B5D1-3BF8-4890-AC52-05D12AE6AC3E}" type="slidenum">
+            <a:fld id="{24BEEAE9-BEDD-4A3F-87D0-DEA2C585F582}" type="slidenum">
               <a:rPr b="0" lang="en-US" sz="1200" spc="-1" strike="noStrike">
                 <a:solidFill>
                   <a:srgbClr val="000000"/>
@@ -3682,7 +3682,7 @@
         <p:spPr>
           <a:xfrm>
             <a:off x="380880" y="685800"/>
-            <a:ext cx="6091560" cy="3424680"/>
+            <a:ext cx="6091200" cy="3424320"/>
           </a:xfrm>
           <a:prstGeom prst="rect">
             <a:avLst/>
@@ -3705,7 +3705,7 @@
         <p:spPr>
           <a:xfrm>
             <a:off x="685800" y="4343400"/>
-            <a:ext cx="5482080" cy="4110480"/>
+            <a:ext cx="5481720" cy="4110120"/>
           </a:xfrm>
           <a:prstGeom prst="rect">
             <a:avLst/>
@@ -3739,7 +3739,7 @@
         <p:spPr>
           <a:xfrm>
             <a:off x="3884760" y="8685360"/>
-            <a:ext cx="2967480" cy="452880"/>
+            <a:ext cx="2967120" cy="452520"/>
           </a:xfrm>
           <a:prstGeom prst="rect">
             <a:avLst/>
@@ -3775,7 +3775,7 @@
               </a:lnSpc>
               <a:buNone/>
             </a:pPr>
-            <a:fld id="{AE9C5BC2-0D84-47ED-980C-1878685E77EE}" type="slidenum">
+            <a:fld id="{85B244D3-30D3-4AB3-AA68-ABDF85BA5B26}" type="slidenum">
               <a:rPr b="0" lang="en-US" sz="1200" spc="-1" strike="noStrike">
                 <a:solidFill>
                   <a:srgbClr val="000000"/>
@@ -3826,7 +3826,7 @@
         <p:spPr>
           <a:xfrm>
             <a:off x="380880" y="685800"/>
-            <a:ext cx="6091560" cy="3424680"/>
+            <a:ext cx="6091200" cy="3424320"/>
           </a:xfrm>
           <a:prstGeom prst="rect">
             <a:avLst/>
@@ -3849,7 +3849,7 @@
         <p:spPr>
           <a:xfrm>
             <a:off x="685800" y="4343400"/>
-            <a:ext cx="5482080" cy="4110480"/>
+            <a:ext cx="5481720" cy="4110120"/>
           </a:xfrm>
           <a:prstGeom prst="rect">
             <a:avLst/>
@@ -3883,7 +3883,7 @@
         <p:spPr>
           <a:xfrm>
             <a:off x="3884760" y="8685360"/>
-            <a:ext cx="2967480" cy="452880"/>
+            <a:ext cx="2967120" cy="452520"/>
           </a:xfrm>
           <a:prstGeom prst="rect">
             <a:avLst/>
@@ -3919,7 +3919,7 @@
               </a:lnSpc>
               <a:buNone/>
             </a:pPr>
-            <a:fld id="{68E50D17-E2FD-47CF-A792-B54AC2760CA6}" type="slidenum">
+            <a:fld id="{252F0194-16D2-4EFA-8825-ECFC6795E3CD}" type="slidenum">
               <a:rPr b="0" lang="en-US" sz="1200" spc="-1" strike="noStrike">
                 <a:solidFill>
                   <a:srgbClr val="000000"/>
@@ -3970,7 +3970,7 @@
         <p:spPr>
           <a:xfrm>
             <a:off x="380880" y="685800"/>
-            <a:ext cx="6091560" cy="3424680"/>
+            <a:ext cx="6091200" cy="3424320"/>
           </a:xfrm>
           <a:prstGeom prst="rect">
             <a:avLst/>
@@ -3993,7 +3993,7 @@
         <p:spPr>
           <a:xfrm>
             <a:off x="685800" y="4343400"/>
-            <a:ext cx="5482080" cy="4110480"/>
+            <a:ext cx="5481720" cy="4110120"/>
           </a:xfrm>
           <a:prstGeom prst="rect">
             <a:avLst/>
@@ -4027,7 +4027,7 @@
         <p:spPr>
           <a:xfrm>
             <a:off x="3884760" y="8685360"/>
-            <a:ext cx="2967480" cy="452880"/>
+            <a:ext cx="2967120" cy="452520"/>
           </a:xfrm>
           <a:prstGeom prst="rect">
             <a:avLst/>
@@ -4063,7 +4063,7 @@
               </a:lnSpc>
               <a:buNone/>
             </a:pPr>
-            <a:fld id="{95E51F79-B728-4E3F-AAA3-28FF068D216F}" type="slidenum">
+            <a:fld id="{FEB4DA1E-720D-4B1C-90F9-7D08E605ABDF}" type="slidenum">
               <a:rPr b="0" lang="en-US" sz="1200" spc="-1" strike="noStrike">
                 <a:solidFill>
                   <a:srgbClr val="000000"/>
@@ -4114,7 +4114,7 @@
         <p:spPr>
           <a:xfrm>
             <a:off x="380880" y="685800"/>
-            <a:ext cx="6091560" cy="3424680"/>
+            <a:ext cx="6091200" cy="3424320"/>
           </a:xfrm>
           <a:prstGeom prst="rect">
             <a:avLst/>
@@ -4137,7 +4137,7 @@
         <p:spPr>
           <a:xfrm>
             <a:off x="685800" y="4343400"/>
-            <a:ext cx="5482080" cy="4110480"/>
+            <a:ext cx="5481720" cy="4110120"/>
           </a:xfrm>
           <a:prstGeom prst="rect">
             <a:avLst/>
@@ -4171,7 +4171,7 @@
         <p:spPr>
           <a:xfrm>
             <a:off x="3884760" y="8685360"/>
-            <a:ext cx="2967480" cy="452880"/>
+            <a:ext cx="2967120" cy="452520"/>
           </a:xfrm>
           <a:prstGeom prst="rect">
             <a:avLst/>
@@ -4207,7 +4207,7 @@
               </a:lnSpc>
               <a:buNone/>
             </a:pPr>
-            <a:fld id="{6490704F-472C-4C77-B95B-4C3F11F9671E}" type="slidenum">
+            <a:fld id="{BD01C1E4-0E37-4544-827C-85DAA32B74CD}" type="slidenum">
               <a:rPr b="0" lang="en-US" sz="1200" spc="-1" strike="noStrike">
                 <a:solidFill>
                   <a:srgbClr val="000000"/>
@@ -4258,7 +4258,7 @@
         <p:spPr>
           <a:xfrm>
             <a:off x="380880" y="685800"/>
-            <a:ext cx="6091560" cy="3424680"/>
+            <a:ext cx="6091200" cy="3424320"/>
           </a:xfrm>
           <a:prstGeom prst="rect">
             <a:avLst/>
@@ -4281,7 +4281,7 @@
         <p:spPr>
           <a:xfrm>
             <a:off x="685800" y="4343400"/>
-            <a:ext cx="5482080" cy="4110480"/>
+            <a:ext cx="5481720" cy="4110120"/>
           </a:xfrm>
           <a:prstGeom prst="rect">
             <a:avLst/>
@@ -4315,7 +4315,7 @@
         <p:spPr>
           <a:xfrm>
             <a:off x="3884760" y="8685360"/>
-            <a:ext cx="2967480" cy="452880"/>
+            <a:ext cx="2967120" cy="452520"/>
           </a:xfrm>
           <a:prstGeom prst="rect">
             <a:avLst/>
@@ -4351,7 +4351,7 @@
               </a:lnSpc>
               <a:buNone/>
             </a:pPr>
-            <a:fld id="{E9BE9D4F-C308-4D87-8091-CBFA2F8963B8}" type="slidenum">
+            <a:fld id="{3036205C-1B38-4D73-8EC6-85055A4AD68A}" type="slidenum">
               <a:rPr b="0" lang="en-US" sz="1200" spc="-1" strike="noStrike">
                 <a:solidFill>
                   <a:srgbClr val="000000"/>
@@ -4402,7 +4402,7 @@
         <p:spPr>
           <a:xfrm>
             <a:off x="380880" y="685800"/>
-            <a:ext cx="6091560" cy="3424680"/>
+            <a:ext cx="6091200" cy="3424320"/>
           </a:xfrm>
           <a:prstGeom prst="rect">
             <a:avLst/>
@@ -4425,7 +4425,7 @@
         <p:spPr>
           <a:xfrm>
             <a:off x="685800" y="4343400"/>
-            <a:ext cx="5482080" cy="4110480"/>
+            <a:ext cx="5481720" cy="4110120"/>
           </a:xfrm>
           <a:prstGeom prst="rect">
             <a:avLst/>
@@ -4459,7 +4459,7 @@
         <p:spPr>
           <a:xfrm>
             <a:off x="3884760" y="8685360"/>
-            <a:ext cx="2967480" cy="452880"/>
+            <a:ext cx="2967120" cy="452520"/>
           </a:xfrm>
           <a:prstGeom prst="rect">
             <a:avLst/>
@@ -4495,7 +4495,7 @@
               </a:lnSpc>
               <a:buNone/>
             </a:pPr>
-            <a:fld id="{E8F502B4-778C-4129-ACF8-659D0CA3829F}" type="slidenum">
+            <a:fld id="{5D4A358A-5A87-4D74-B6B3-EE9ED8834D04}" type="slidenum">
               <a:rPr b="0" lang="en-US" sz="1200" spc="-1" strike="noStrike">
                 <a:solidFill>
                   <a:srgbClr val="000000"/>
@@ -4546,7 +4546,7 @@
         <p:spPr>
           <a:xfrm>
             <a:off x="380880" y="685800"/>
-            <a:ext cx="6091560" cy="3424680"/>
+            <a:ext cx="6091200" cy="3424320"/>
           </a:xfrm>
           <a:prstGeom prst="rect">
             <a:avLst/>
@@ -4569,7 +4569,7 @@
         <p:spPr>
           <a:xfrm>
             <a:off x="685800" y="4343400"/>
-            <a:ext cx="5482080" cy="4110480"/>
+            <a:ext cx="5481720" cy="4110120"/>
           </a:xfrm>
           <a:prstGeom prst="rect">
             <a:avLst/>
@@ -4603,7 +4603,7 @@
         <p:spPr>
           <a:xfrm>
             <a:off x="3884760" y="8685360"/>
-            <a:ext cx="2967480" cy="452880"/>
+            <a:ext cx="2967120" cy="452520"/>
           </a:xfrm>
           <a:prstGeom prst="rect">
             <a:avLst/>
@@ -4639,7 +4639,7 @@
               </a:lnSpc>
               <a:buNone/>
             </a:pPr>
-            <a:fld id="{C199E350-EEA1-41AF-A32F-DAF36C3D9C50}" type="slidenum">
+            <a:fld id="{943A70F9-A88F-4360-991F-E260D249FB3A}" type="slidenum">
               <a:rPr b="0" lang="en-US" sz="1200" spc="-1" strike="noStrike">
                 <a:solidFill>
                   <a:srgbClr val="000000"/>
@@ -4690,7 +4690,7 @@
         <p:spPr>
           <a:xfrm>
             <a:off x="380880" y="685800"/>
-            <a:ext cx="6091560" cy="3424680"/>
+            <a:ext cx="6091200" cy="3424320"/>
           </a:xfrm>
           <a:prstGeom prst="rect">
             <a:avLst/>
@@ -4713,7 +4713,7 @@
         <p:spPr>
           <a:xfrm>
             <a:off x="685800" y="4343400"/>
-            <a:ext cx="5482080" cy="4110480"/>
+            <a:ext cx="5481720" cy="4110120"/>
           </a:xfrm>
           <a:prstGeom prst="rect">
             <a:avLst/>
@@ -4747,7 +4747,7 @@
         <p:spPr>
           <a:xfrm>
             <a:off x="3884760" y="8685360"/>
-            <a:ext cx="2967480" cy="452880"/>
+            <a:ext cx="2967120" cy="452520"/>
           </a:xfrm>
           <a:prstGeom prst="rect">
             <a:avLst/>
@@ -4783,7 +4783,7 @@
               </a:lnSpc>
               <a:buNone/>
             </a:pPr>
-            <a:fld id="{B7B1DDE8-5E3E-4BDE-9625-6B8B942997F7}" type="slidenum">
+            <a:fld id="{5D45545B-5FD6-43F4-BAD2-1F8E1E65F7F9}" type="slidenum">
               <a:rPr b="0" lang="en-US" sz="1200" spc="-1" strike="noStrike">
                 <a:solidFill>
                   <a:srgbClr val="000000"/>
@@ -4855,7 +4855,7 @@
         <p:txBody>
           <a:bodyPr/>
           <a:p>
-            <a:fld id="{0E938F2C-F4C4-4A23-90D0-307ED153313D}" type="slidenum">
+            <a:fld id="{924C3AD3-2ECC-4FA5-8909-399C4A8B69A7}" type="slidenum">
               <a:t>&lt;#&gt;</a:t>
             </a:fld>
           </a:p>
@@ -5043,7 +5043,7 @@
         <p:txBody>
           <a:bodyPr/>
           <a:p>
-            <a:fld id="{BBE36618-4A74-4207-9F1D-0361E927A1D6}" type="slidenum">
+            <a:fld id="{CEA3B5F5-ADAF-453B-A0AB-5249F6F5DE68}" type="slidenum">
               <a:t>&lt;#&gt;</a:t>
             </a:fld>
           </a:p>
@@ -5299,7 +5299,7 @@
         <p:txBody>
           <a:bodyPr/>
           <a:p>
-            <a:fld id="{EBD3F0E7-DB09-4CC3-831B-65E9D856A734}" type="slidenum">
+            <a:fld id="{D61C6B40-9D5D-43F8-A0E9-799B0E5618FC}" type="slidenum">
               <a:t>&lt;#&gt;</a:t>
             </a:fld>
           </a:p>
@@ -5623,7 +5623,7 @@
         <p:txBody>
           <a:bodyPr/>
           <a:p>
-            <a:fld id="{BBF75E7F-D484-43FA-9A7B-C38D0394A593}" type="slidenum">
+            <a:fld id="{62D07B92-2557-4D51-A813-330DEBBE120B}" type="slidenum">
               <a:t>&lt;#&gt;</a:t>
             </a:fld>
           </a:p>
@@ -5780,7 +5780,7 @@
         <p:txBody>
           <a:bodyPr/>
           <a:p>
-            <a:fld id="{3F92226B-2288-45B3-9B25-9F239B985965}" type="slidenum">
+            <a:fld id="{D59D0F21-898C-4230-8A24-FCFC67622D5D}" type="slidenum">
               <a:t>&lt;#&gt;</a:t>
             </a:fld>
           </a:p>
@@ -5934,7 +5934,7 @@
         <p:txBody>
           <a:bodyPr/>
           <a:p>
-            <a:fld id="{4A1EEBCE-4F8F-4B73-AA3A-AC58B9DF82F0}" type="slidenum">
+            <a:fld id="{A77097F7-5019-479D-99C5-92294E630266}" type="slidenum">
               <a:t>&lt;#&gt;</a:t>
             </a:fld>
           </a:p>
@@ -6122,7 +6122,7 @@
         <p:txBody>
           <a:bodyPr/>
           <a:p>
-            <a:fld id="{E3BA5D65-7D27-4D45-BF74-A03F4B8BF5AA}" type="slidenum">
+            <a:fld id="{15AD425F-4877-4769-8492-81EEFDD2BD3D}" type="slidenum">
               <a:t>&lt;#&gt;</a:t>
             </a:fld>
           </a:p>
@@ -6242,7 +6242,7 @@
         <p:txBody>
           <a:bodyPr/>
           <a:p>
-            <a:fld id="{A1F2F984-F969-42C6-9FE5-E756E5E4A5EC}" type="slidenum">
+            <a:fld id="{1EE1FEA4-E8E1-4B45-8797-EFBEBD8C38A1}" type="slidenum">
               <a:t>&lt;#&gt;</a:t>
             </a:fld>
           </a:p>
@@ -6362,7 +6362,7 @@
         <p:txBody>
           <a:bodyPr/>
           <a:p>
-            <a:fld id="{CE869410-1AE4-447D-B3CE-D16A1354C4DF}" type="slidenum">
+            <a:fld id="{4BAA4DC7-145E-4C26-A432-A559BFCE226C}" type="slidenum">
               <a:t>&lt;#&gt;</a:t>
             </a:fld>
           </a:p>
@@ -6584,7 +6584,7 @@
         <p:txBody>
           <a:bodyPr/>
           <a:p>
-            <a:fld id="{D183C898-E9B6-4D9E-8620-1A38D7CE2322}" type="slidenum">
+            <a:fld id="{B658BEFC-125D-4C2E-8E0A-F9E846C01FD6}" type="slidenum">
               <a:t>&lt;#&gt;</a:t>
             </a:fld>
           </a:p>
@@ -6806,7 +6806,7 @@
         <p:txBody>
           <a:bodyPr/>
           <a:p>
-            <a:fld id="{F6D6EB42-C7F6-4B06-BE86-F205B5AA959F}" type="slidenum">
+            <a:fld id="{2E0568AF-D3B3-4F72-98A6-79908F3B0310}" type="slidenum">
               <a:t>&lt;#&gt;</a:t>
             </a:fld>
           </a:p>
@@ -7028,7 +7028,7 @@
         <p:txBody>
           <a:bodyPr/>
           <a:p>
-            <a:fld id="{605E8E51-ECB8-4E91-9CC7-152CCEE80924}" type="slidenum">
+            <a:fld id="{BCB0EEB5-23DC-4EFF-B223-1C6BBF765EE8}" type="slidenum">
               <a:t>&lt;#&gt;</a:t>
             </a:fld>
           </a:p>
@@ -7097,7 +7097,7 @@
         <p:spPr>
           <a:xfrm>
             <a:off x="3028680" y="4771440"/>
-            <a:ext cx="3082320" cy="270360"/>
+            <a:ext cx="3081960" cy="270000"/>
           </a:xfrm>
           <a:prstGeom prst="rect">
             <a:avLst/>
@@ -7162,7 +7162,7 @@
         <p:spPr>
           <a:xfrm>
             <a:off x="6457680" y="4771440"/>
-            <a:ext cx="2053800" cy="270360"/>
+            <a:ext cx="2053440" cy="270000"/>
           </a:xfrm>
           <a:prstGeom prst="rect">
             <a:avLst/>
@@ -7198,7 +7198,7 @@
               </a:lnSpc>
               <a:buNone/>
             </a:pPr>
-            <a:fld id="{E312FC74-BB77-43EE-81E9-759749F6DE85}" type="slidenum">
+            <a:fld id="{0D819492-A3F2-49DE-86B9-53E35A623107}" type="slidenum">
               <a:rPr b="0" lang="en-US" sz="1200" spc="-1" strike="noStrike">
                 <a:solidFill>
                   <a:srgbClr val="8b8b8b"/>
@@ -7227,7 +7227,7 @@
         <p:spPr>
           <a:xfrm>
             <a:off x="628200" y="4771440"/>
-            <a:ext cx="2053800" cy="270360"/>
+            <a:ext cx="2053440" cy="270000"/>
           </a:xfrm>
           <a:prstGeom prst="rect">
             <a:avLst/>
@@ -7539,8 +7539,8 @@
         </p:nvSpPr>
         <p:spPr>
           <a:xfrm rot="2744400">
-            <a:off x="-281160" y="-25920"/>
-            <a:ext cx="704520" cy="704160"/>
+            <a:off x="-280800" y="-25560"/>
+            <a:ext cx="704160" cy="703800"/>
           </a:xfrm>
           <a:prstGeom prst="roundRect">
             <a:avLst>
@@ -7578,7 +7578,7 @@
         <p:spPr>
           <a:xfrm rot="2625600">
             <a:off x="6024960" y="4332960"/>
-            <a:ext cx="468360" cy="468360"/>
+            <a:ext cx="468000" cy="468000"/>
           </a:xfrm>
           <a:prstGeom prst="roundRect">
             <a:avLst>
@@ -7615,8 +7615,8 @@
         </p:nvSpPr>
         <p:spPr>
           <a:xfrm rot="18679200">
-            <a:off x="7003800" y="948600"/>
-            <a:ext cx="4939920" cy="4666320"/>
+            <a:off x="7003440" y="948600"/>
+            <a:ext cx="4939560" cy="4665960"/>
           </a:xfrm>
           <a:prstGeom prst="roundRect">
             <a:avLst>
@@ -7654,7 +7654,7 @@
         <p:spPr>
           <a:xfrm>
             <a:off x="459720" y="4671360"/>
-            <a:ext cx="2995560" cy="266400"/>
+            <a:ext cx="2995200" cy="266040"/>
           </a:xfrm>
           <a:prstGeom prst="rect">
             <a:avLst/>
@@ -7719,8 +7719,8 @@
         </p:blipFill>
         <p:spPr>
           <a:xfrm>
-            <a:off x="2423160" y="4671720"/>
-            <a:ext cx="288000" cy="288000"/>
+            <a:off x="2999160" y="4743720"/>
+            <a:ext cx="287640" cy="287640"/>
           </a:xfrm>
           <a:prstGeom prst="rect">
             <a:avLst/>
@@ -7739,7 +7739,7 @@
         <p:spPr>
           <a:xfrm>
             <a:off x="484920" y="1681560"/>
-            <a:ext cx="5481000" cy="1882440"/>
+            <a:ext cx="5480640" cy="1882080"/>
           </a:xfrm>
           <a:prstGeom prst="rect">
             <a:avLst/>
@@ -7827,8 +7827,8 @@
         </p:nvSpPr>
         <p:spPr>
           <a:xfrm rot="2744400">
-            <a:off x="-281160" y="-25920"/>
-            <a:ext cx="704520" cy="704160"/>
+            <a:off x="-280800" y="-25560"/>
+            <a:ext cx="704160" cy="703800"/>
           </a:xfrm>
           <a:prstGeom prst="roundRect">
             <a:avLst>
@@ -7866,7 +7866,7 @@
         <p:spPr>
           <a:xfrm rot="2332200">
             <a:off x="6009480" y="-319680"/>
-            <a:ext cx="4855680" cy="7726680"/>
+            <a:ext cx="4855320" cy="7726320"/>
           </a:xfrm>
           <a:prstGeom prst="roundRect">
             <a:avLst>
@@ -7904,9 +7904,9 @@
         <p:grpSpPr>
           <a:xfrm>
             <a:off x="4571640" y="828000"/>
-            <a:ext cx="4468320" cy="3564360"/>
+            <a:ext cx="4467960" cy="3564000"/>
             <a:chOff x="4571640" y="828000"/>
-            <a:chExt cx="4468320" cy="3564360"/>
+            <a:chExt cx="4467960" cy="3564000"/>
           </a:xfrm>
         </p:grpSpPr>
         <p:pic>
@@ -7922,7 +7922,7 @@
           <p:spPr>
             <a:xfrm>
               <a:off x="4571640" y="828000"/>
-              <a:ext cx="4468320" cy="3564360"/>
+              <a:ext cx="4467960" cy="3564000"/>
             </a:xfrm>
             <a:prstGeom prst="rect">
               <a:avLst/>
@@ -7940,8 +7940,8 @@
           </p:nvSpPr>
           <p:spPr>
             <a:xfrm rot="16200000">
-              <a:off x="5962680" y="1158840"/>
-              <a:ext cx="1737360" cy="2771280"/>
+              <a:off x="5962680" y="1159200"/>
+              <a:ext cx="1737000" cy="2770920"/>
             </a:xfrm>
             <a:prstGeom prst="roundRect">
               <a:avLst>
@@ -8008,7 +8008,7 @@
         <p:spPr>
           <a:xfrm>
             <a:off x="5446080" y="1672200"/>
-            <a:ext cx="2770920" cy="1737360"/>
+            <a:ext cx="2770560" cy="1737000"/>
           </a:xfrm>
           <a:prstGeom prst="rect">
             <a:avLst/>
@@ -8060,7 +8060,7 @@
         <p:spPr>
           <a:xfrm>
             <a:off x="586440" y="1246680"/>
-            <a:ext cx="4004280" cy="3600000"/>
+            <a:ext cx="4003920" cy="3599640"/>
           </a:xfrm>
           <a:prstGeom prst="rect">
             <a:avLst/>
@@ -8112,7 +8112,7 @@
         <p:spPr>
           <a:xfrm>
             <a:off x="586440" y="453960"/>
-            <a:ext cx="4764240" cy="855360"/>
+            <a:ext cx="4763880" cy="855000"/>
           </a:xfrm>
           <a:prstGeom prst="rect">
             <a:avLst/>
@@ -8201,7 +8201,7 @@
         <p:spPr>
           <a:xfrm rot="2745600">
             <a:off x="8349840" y="-668160"/>
-            <a:ext cx="1498320" cy="1498320"/>
+            <a:ext cx="1497960" cy="1497960"/>
           </a:xfrm>
           <a:prstGeom prst="roundRect">
             <a:avLst>
@@ -8239,7 +8239,7 @@
         <p:spPr>
           <a:xfrm rot="2745600">
             <a:off x="7634160" y="-322200"/>
-            <a:ext cx="807120" cy="807480"/>
+            <a:ext cx="806760" cy="807120"/>
           </a:xfrm>
           <a:prstGeom prst="roundRect">
             <a:avLst>
@@ -8278,7 +8278,7 @@
         <p:spPr>
           <a:xfrm>
             <a:off x="586440" y="899640"/>
-            <a:ext cx="7931880" cy="1537200"/>
+            <a:ext cx="7931520" cy="1536840"/>
           </a:xfrm>
           <a:prstGeom prst="rect">
             <a:avLst/>
@@ -8330,7 +8330,7 @@
         <p:spPr>
           <a:xfrm>
             <a:off x="608040" y="2545560"/>
-            <a:ext cx="3712320" cy="2255760"/>
+            <a:ext cx="3711960" cy="2255400"/>
           </a:xfrm>
           <a:prstGeom prst="rect">
             <a:avLst/>
@@ -8382,7 +8382,7 @@
         <p:spPr>
           <a:xfrm>
             <a:off x="4806360" y="2545560"/>
-            <a:ext cx="3712320" cy="2255760"/>
+            <a:ext cx="3711960" cy="2255400"/>
           </a:xfrm>
           <a:prstGeom prst="rect">
             <a:avLst/>
@@ -8434,7 +8434,7 @@
         <p:spPr>
           <a:xfrm>
             <a:off x="583200" y="450720"/>
-            <a:ext cx="7198200" cy="512280"/>
+            <a:ext cx="7197840" cy="511920"/>
           </a:xfrm>
           <a:prstGeom prst="rect">
             <a:avLst/>
@@ -8516,7 +8516,7 @@
         <p:spPr>
           <a:xfrm>
             <a:off x="586440" y="1246680"/>
-            <a:ext cx="4004280" cy="3600000"/>
+            <a:ext cx="4003920" cy="3599640"/>
           </a:xfrm>
           <a:prstGeom prst="rect">
             <a:avLst/>
@@ -8568,7 +8568,7 @@
         <p:spPr>
           <a:xfrm>
             <a:off x="559800" y="446040"/>
-            <a:ext cx="4283640" cy="683640"/>
+            <a:ext cx="4283280" cy="683280"/>
           </a:xfrm>
           <a:prstGeom prst="rect">
             <a:avLst/>
@@ -8620,7 +8620,7 @@
         <p:spPr>
           <a:xfrm>
             <a:off x="5097600" y="360"/>
-            <a:ext cx="4379760" cy="5144040"/>
+            <a:ext cx="4379400" cy="5143680"/>
           </a:xfrm>
           <a:prstGeom prst="roundRect">
             <a:avLst>
@@ -8685,8 +8685,8 @@
         </p:nvSpPr>
         <p:spPr>
           <a:xfrm rot="2744400">
-            <a:off x="-281160" y="-25920"/>
-            <a:ext cx="704520" cy="704160"/>
+            <a:off x="-280800" y="-25560"/>
+            <a:ext cx="704160" cy="703800"/>
           </a:xfrm>
           <a:prstGeom prst="roundRect">
             <a:avLst>
@@ -8724,7 +8724,7 @@
         <p:spPr>
           <a:xfrm rot="2625600">
             <a:off x="4861080" y="4146840"/>
-            <a:ext cx="468360" cy="468360"/>
+            <a:ext cx="468000" cy="468000"/>
           </a:xfrm>
           <a:prstGeom prst="roundRect">
             <a:avLst>
@@ -8798,8 +8798,8 @@
         </p:nvSpPr>
         <p:spPr>
           <a:xfrm rot="2744400">
-            <a:off x="-350280" y="4539960"/>
-            <a:ext cx="704520" cy="704160"/>
+            <a:off x="-349920" y="4539960"/>
+            <a:ext cx="704160" cy="703800"/>
           </a:xfrm>
           <a:prstGeom prst="roundRect">
             <a:avLst>
@@ -8836,8 +8836,8 @@
         </p:nvSpPr>
         <p:spPr>
           <a:xfrm rot="19228200">
-            <a:off x="5846400" y="-2266560"/>
-            <a:ext cx="4855320" cy="7726320"/>
+            <a:off x="5846040" y="-2266200"/>
+            <a:ext cx="4854960" cy="7725960"/>
           </a:xfrm>
           <a:prstGeom prst="roundRect">
             <a:avLst>
@@ -8875,9 +8875,9 @@
         <p:grpSpPr>
           <a:xfrm>
             <a:off x="4571640" y="828000"/>
-            <a:ext cx="4468320" cy="3564360"/>
+            <a:ext cx="4467960" cy="3564000"/>
             <a:chOff x="4571640" y="828000"/>
-            <a:chExt cx="4468320" cy="3564360"/>
+            <a:chExt cx="4467960" cy="3564000"/>
           </a:xfrm>
         </p:grpSpPr>
         <p:pic>
@@ -8893,7 +8893,7 @@
           <p:spPr>
             <a:xfrm>
               <a:off x="4571640" y="828000"/>
-              <a:ext cx="4468320" cy="3564360"/>
+              <a:ext cx="4467960" cy="3564000"/>
             </a:xfrm>
             <a:prstGeom prst="rect">
               <a:avLst/>
@@ -8911,8 +8911,8 @@
           </p:nvSpPr>
           <p:spPr>
             <a:xfrm rot="16200000">
-              <a:off x="5962680" y="1158840"/>
-              <a:ext cx="1737360" cy="2771280"/>
+              <a:off x="5962680" y="1159200"/>
+              <a:ext cx="1737000" cy="2770920"/>
             </a:xfrm>
             <a:prstGeom prst="roundRect">
               <a:avLst>
@@ -8979,7 +8979,7 @@
         <p:spPr>
           <a:xfrm>
             <a:off x="586440" y="1246680"/>
-            <a:ext cx="4004280" cy="3600000"/>
+            <a:ext cx="4003920" cy="3599640"/>
           </a:xfrm>
           <a:prstGeom prst="rect">
             <a:avLst/>
@@ -9031,7 +9031,7 @@
         <p:spPr>
           <a:xfrm>
             <a:off x="5446080" y="1672200"/>
-            <a:ext cx="2780280" cy="1737360"/>
+            <a:ext cx="2779920" cy="1737000"/>
           </a:xfrm>
           <a:prstGeom prst="rect">
             <a:avLst/>
@@ -9083,7 +9083,7 @@
         <p:spPr>
           <a:xfrm>
             <a:off x="586440" y="453960"/>
-            <a:ext cx="3696840" cy="855360"/>
+            <a:ext cx="3696480" cy="855000"/>
           </a:xfrm>
           <a:prstGeom prst="rect">
             <a:avLst/>
@@ -9172,7 +9172,7 @@
         <p:spPr>
           <a:xfrm>
             <a:off x="4222080" y="1246680"/>
-            <a:ext cx="4115160" cy="3600000"/>
+            <a:ext cx="4114800" cy="3599640"/>
           </a:xfrm>
           <a:prstGeom prst="rect">
             <a:avLst/>
@@ -9223,8 +9223,8 @@
         </p:nvSpPr>
         <p:spPr>
           <a:xfrm rot="16200000">
-            <a:off x="-2181600" y="1733400"/>
-            <a:ext cx="5144040" cy="1684080"/>
+            <a:off x="-2181600" y="1733760"/>
+            <a:ext cx="5143680" cy="1683720"/>
           </a:xfrm>
           <a:prstGeom prst="roundRect">
             <a:avLst>
@@ -9261,8 +9261,8 @@
         </p:nvSpPr>
         <p:spPr>
           <a:xfrm rot="2745000">
-            <a:off x="8575200" y="103680"/>
-            <a:ext cx="1132560" cy="1132200"/>
+            <a:off x="8575200" y="103320"/>
+            <a:ext cx="1132200" cy="1131840"/>
           </a:xfrm>
           <a:prstGeom prst="roundRect">
             <a:avLst>
@@ -9299,8 +9299,8 @@
         </p:nvSpPr>
         <p:spPr>
           <a:xfrm rot="16200000">
-            <a:off x="614880" y="918720"/>
-            <a:ext cx="3232080" cy="3313800"/>
+            <a:off x="614880" y="919080"/>
+            <a:ext cx="3231720" cy="3313440"/>
           </a:xfrm>
           <a:prstGeom prst="roundRect">
             <a:avLst>
@@ -9366,7 +9366,7 @@
         <p:spPr>
           <a:xfrm>
             <a:off x="4214160" y="456120"/>
-            <a:ext cx="4111920" cy="855360"/>
+            <a:ext cx="4111560" cy="855000"/>
           </a:xfrm>
           <a:prstGeom prst="rect">
             <a:avLst/>
@@ -9454,8 +9454,8 @@
         </p:nvSpPr>
         <p:spPr>
           <a:xfrm rot="2744400">
-            <a:off x="-281160" y="-25920"/>
-            <a:ext cx="704520" cy="704160"/>
+            <a:off x="-280800" y="-25560"/>
+            <a:ext cx="704160" cy="703800"/>
           </a:xfrm>
           <a:prstGeom prst="roundRect">
             <a:avLst>
@@ -9493,7 +9493,7 @@
         <p:spPr>
           <a:xfrm rot="2332200">
             <a:off x="6009480" y="-319680"/>
-            <a:ext cx="4855680" cy="7726680"/>
+            <a:ext cx="4855320" cy="7726320"/>
           </a:xfrm>
           <a:prstGeom prst="roundRect">
             <a:avLst>
@@ -9531,9 +9531,9 @@
         <p:grpSpPr>
           <a:xfrm>
             <a:off x="4571640" y="828000"/>
-            <a:ext cx="4468320" cy="3564360"/>
+            <a:ext cx="4467960" cy="3564000"/>
             <a:chOff x="4571640" y="828000"/>
-            <a:chExt cx="4468320" cy="3564360"/>
+            <a:chExt cx="4467960" cy="3564000"/>
           </a:xfrm>
         </p:grpSpPr>
         <p:pic>
@@ -9549,7 +9549,7 @@
           <p:spPr>
             <a:xfrm>
               <a:off x="4571640" y="828000"/>
-              <a:ext cx="4468320" cy="3564360"/>
+              <a:ext cx="4467960" cy="3564000"/>
             </a:xfrm>
             <a:prstGeom prst="rect">
               <a:avLst/>
@@ -9567,8 +9567,8 @@
           </p:nvSpPr>
           <p:spPr>
             <a:xfrm rot="16200000">
-              <a:off x="5962680" y="1158840"/>
-              <a:ext cx="1737360" cy="2771280"/>
+              <a:off x="5962680" y="1159200"/>
+              <a:ext cx="1737000" cy="2770920"/>
             </a:xfrm>
             <a:prstGeom prst="roundRect">
               <a:avLst>
@@ -9635,7 +9635,7 @@
         <p:spPr>
           <a:xfrm>
             <a:off x="5446080" y="1672200"/>
-            <a:ext cx="2770920" cy="1737360"/>
+            <a:ext cx="2770560" cy="1737000"/>
           </a:xfrm>
           <a:prstGeom prst="rect">
             <a:avLst/>
@@ -9687,7 +9687,7 @@
         <p:spPr>
           <a:xfrm>
             <a:off x="586440" y="1246680"/>
-            <a:ext cx="4004280" cy="3600000"/>
+            <a:ext cx="4003920" cy="3599640"/>
           </a:xfrm>
           <a:prstGeom prst="rect">
             <a:avLst/>
@@ -9739,7 +9739,7 @@
         <p:spPr>
           <a:xfrm>
             <a:off x="586440" y="453960"/>
-            <a:ext cx="4764240" cy="855360"/>
+            <a:ext cx="4763880" cy="855000"/>
           </a:xfrm>
           <a:prstGeom prst="rect">
             <a:avLst/>
@@ -9828,7 +9828,7 @@
         <p:spPr>
           <a:xfrm rot="2745600">
             <a:off x="8349840" y="-668160"/>
-            <a:ext cx="1498320" cy="1498320"/>
+            <a:ext cx="1497960" cy="1497960"/>
           </a:xfrm>
           <a:prstGeom prst="roundRect">
             <a:avLst>
@@ -9866,7 +9866,7 @@
         <p:spPr>
           <a:xfrm rot="2745600">
             <a:off x="7634160" y="-322200"/>
-            <a:ext cx="807120" cy="807480"/>
+            <a:ext cx="806760" cy="807120"/>
           </a:xfrm>
           <a:prstGeom prst="roundRect">
             <a:avLst>
@@ -9905,7 +9905,7 @@
         <p:spPr>
           <a:xfrm>
             <a:off x="586440" y="899640"/>
-            <a:ext cx="7931880" cy="1537200"/>
+            <a:ext cx="7931520" cy="1536840"/>
           </a:xfrm>
           <a:prstGeom prst="rect">
             <a:avLst/>
@@ -9957,7 +9957,7 @@
         <p:spPr>
           <a:xfrm>
             <a:off x="608040" y="2545560"/>
-            <a:ext cx="3712320" cy="2255760"/>
+            <a:ext cx="3711960" cy="2255400"/>
           </a:xfrm>
           <a:prstGeom prst="rect">
             <a:avLst/>
@@ -10009,7 +10009,7 @@
         <p:spPr>
           <a:xfrm>
             <a:off x="4806360" y="2545560"/>
-            <a:ext cx="3712320" cy="2255760"/>
+            <a:ext cx="3711960" cy="2255400"/>
           </a:xfrm>
           <a:prstGeom prst="rect">
             <a:avLst/>
@@ -10061,7 +10061,7 @@
         <p:spPr>
           <a:xfrm>
             <a:off x="583200" y="450720"/>
-            <a:ext cx="7198200" cy="512280"/>
+            <a:ext cx="7197840" cy="511920"/>
           </a:xfrm>
           <a:prstGeom prst="rect">
             <a:avLst/>
@@ -10143,7 +10143,7 @@
         <p:spPr>
           <a:xfrm>
             <a:off x="586440" y="1246680"/>
-            <a:ext cx="4004280" cy="3600000"/>
+            <a:ext cx="4003920" cy="3599640"/>
           </a:xfrm>
           <a:prstGeom prst="rect">
             <a:avLst/>
@@ -10195,7 +10195,7 @@
         <p:spPr>
           <a:xfrm>
             <a:off x="559800" y="446040"/>
-            <a:ext cx="4283640" cy="683640"/>
+            <a:ext cx="4283280" cy="683280"/>
           </a:xfrm>
           <a:prstGeom prst="rect">
             <a:avLst/>
@@ -10247,7 +10247,7 @@
         <p:spPr>
           <a:xfrm>
             <a:off x="5097600" y="360"/>
-            <a:ext cx="4379760" cy="5144040"/>
+            <a:ext cx="4379400" cy="5143680"/>
           </a:xfrm>
           <a:prstGeom prst="roundRect">
             <a:avLst>
@@ -10312,8 +10312,8 @@
         </p:nvSpPr>
         <p:spPr>
           <a:xfrm rot="2744400">
-            <a:off x="-281160" y="-25920"/>
-            <a:ext cx="704520" cy="704160"/>
+            <a:off x="-280800" y="-25560"/>
+            <a:ext cx="704160" cy="703800"/>
           </a:xfrm>
           <a:prstGeom prst="roundRect">
             <a:avLst>
@@ -10351,7 +10351,7 @@
         <p:spPr>
           <a:xfrm rot="2625600">
             <a:off x="4861080" y="4146840"/>
-            <a:ext cx="468360" cy="468360"/>
+            <a:ext cx="468000" cy="468000"/>
           </a:xfrm>
           <a:prstGeom prst="roundRect">
             <a:avLst>
@@ -10425,8 +10425,8 @@
         </p:nvSpPr>
         <p:spPr>
           <a:xfrm rot="2744400">
-            <a:off x="-350280" y="4539960"/>
-            <a:ext cx="704520" cy="704160"/>
+            <a:off x="-349920" y="4539960"/>
+            <a:ext cx="704160" cy="703800"/>
           </a:xfrm>
           <a:prstGeom prst="roundRect">
             <a:avLst>
@@ -10463,8 +10463,8 @@
         </p:nvSpPr>
         <p:spPr>
           <a:xfrm rot="19228200">
-            <a:off x="5846400" y="-2266560"/>
-            <a:ext cx="4855320" cy="7726320"/>
+            <a:off x="5846040" y="-2266200"/>
+            <a:ext cx="4854960" cy="7725960"/>
           </a:xfrm>
           <a:prstGeom prst="roundRect">
             <a:avLst>
@@ -10502,9 +10502,9 @@
         <p:grpSpPr>
           <a:xfrm>
             <a:off x="4571640" y="828000"/>
-            <a:ext cx="4468320" cy="3564360"/>
+            <a:ext cx="4467960" cy="3564000"/>
             <a:chOff x="4571640" y="828000"/>
-            <a:chExt cx="4468320" cy="3564360"/>
+            <a:chExt cx="4467960" cy="3564000"/>
           </a:xfrm>
         </p:grpSpPr>
         <p:pic>
@@ -10520,7 +10520,7 @@
           <p:spPr>
             <a:xfrm>
               <a:off x="4571640" y="828000"/>
-              <a:ext cx="4468320" cy="3564360"/>
+              <a:ext cx="4467960" cy="3564000"/>
             </a:xfrm>
             <a:prstGeom prst="rect">
               <a:avLst/>
@@ -10538,8 +10538,8 @@
           </p:nvSpPr>
           <p:spPr>
             <a:xfrm rot="16200000">
-              <a:off x="5962680" y="1158840"/>
-              <a:ext cx="1737360" cy="2771280"/>
+              <a:off x="5962680" y="1159200"/>
+              <a:ext cx="1737000" cy="2770920"/>
             </a:xfrm>
             <a:prstGeom prst="roundRect">
               <a:avLst>
@@ -10606,7 +10606,7 @@
         <p:spPr>
           <a:xfrm>
             <a:off x="586440" y="1246680"/>
-            <a:ext cx="4004280" cy="3600000"/>
+            <a:ext cx="4003920" cy="3599640"/>
           </a:xfrm>
           <a:prstGeom prst="rect">
             <a:avLst/>
@@ -10658,7 +10658,7 @@
         <p:spPr>
           <a:xfrm>
             <a:off x="5446080" y="1672200"/>
-            <a:ext cx="2780280" cy="1737360"/>
+            <a:ext cx="2779920" cy="1737000"/>
           </a:xfrm>
           <a:prstGeom prst="rect">
             <a:avLst/>
@@ -10710,7 +10710,7 @@
         <p:spPr>
           <a:xfrm>
             <a:off x="586440" y="453960"/>
-            <a:ext cx="3696840" cy="855360"/>
+            <a:ext cx="3696480" cy="855000"/>
           </a:xfrm>
           <a:prstGeom prst="rect">
             <a:avLst/>
@@ -10799,7 +10799,7 @@
         <p:spPr>
           <a:xfrm>
             <a:off x="4222080" y="1246680"/>
-            <a:ext cx="4115160" cy="3600000"/>
+            <a:ext cx="4114800" cy="3599640"/>
           </a:xfrm>
           <a:prstGeom prst="rect">
             <a:avLst/>
@@ -10850,8 +10850,8 @@
         </p:nvSpPr>
         <p:spPr>
           <a:xfrm rot="16200000">
-            <a:off x="-2181600" y="1733400"/>
-            <a:ext cx="5144040" cy="1684080"/>
+            <a:off x="-2181600" y="1733760"/>
+            <a:ext cx="5143680" cy="1683720"/>
           </a:xfrm>
           <a:prstGeom prst="roundRect">
             <a:avLst>
@@ -10888,8 +10888,8 @@
         </p:nvSpPr>
         <p:spPr>
           <a:xfrm rot="2745000">
-            <a:off x="8575200" y="103680"/>
-            <a:ext cx="1132560" cy="1132200"/>
+            <a:off x="8575200" y="103320"/>
+            <a:ext cx="1132200" cy="1131840"/>
           </a:xfrm>
           <a:prstGeom prst="roundRect">
             <a:avLst>
@@ -10926,8 +10926,8 @@
         </p:nvSpPr>
         <p:spPr>
           <a:xfrm rot="16200000">
-            <a:off x="614880" y="918720"/>
-            <a:ext cx="3232080" cy="3313800"/>
+            <a:off x="614880" y="919080"/>
+            <a:ext cx="3231720" cy="3313440"/>
           </a:xfrm>
           <a:prstGeom prst="roundRect">
             <a:avLst>
@@ -10993,7 +10993,7 @@
         <p:spPr>
           <a:xfrm>
             <a:off x="4214160" y="456120"/>
-            <a:ext cx="4111920" cy="855360"/>
+            <a:ext cx="4111560" cy="855000"/>
           </a:xfrm>
           <a:prstGeom prst="rect">
             <a:avLst/>
@@ -11075,7 +11075,7 @@
         <p:spPr>
           <a:xfrm>
             <a:off x="586440" y="1246680"/>
-            <a:ext cx="4004280" cy="3600000"/>
+            <a:ext cx="4003920" cy="3599640"/>
           </a:xfrm>
           <a:prstGeom prst="rect">
             <a:avLst/>
@@ -11127,7 +11127,7 @@
         <p:spPr>
           <a:xfrm>
             <a:off x="559800" y="446040"/>
-            <a:ext cx="4283640" cy="683640"/>
+            <a:ext cx="4283280" cy="683280"/>
           </a:xfrm>
           <a:prstGeom prst="rect">
             <a:avLst/>
@@ -11179,7 +11179,7 @@
         <p:spPr>
           <a:xfrm>
             <a:off x="5097600" y="360"/>
-            <a:ext cx="4379760" cy="5144040"/>
+            <a:ext cx="4379400" cy="5143680"/>
           </a:xfrm>
           <a:prstGeom prst="roundRect">
             <a:avLst>
@@ -11244,8 +11244,8 @@
         </p:nvSpPr>
         <p:spPr>
           <a:xfrm rot="2744400">
-            <a:off x="-281160" y="-25920"/>
-            <a:ext cx="704520" cy="704160"/>
+            <a:off x="-280800" y="-25560"/>
+            <a:ext cx="704160" cy="703800"/>
           </a:xfrm>
           <a:prstGeom prst="roundRect">
             <a:avLst>
@@ -11283,7 +11283,7 @@
         <p:spPr>
           <a:xfrm rot="2625600">
             <a:off x="4861080" y="4146840"/>
-            <a:ext cx="468360" cy="468360"/>
+            <a:ext cx="468000" cy="468000"/>
           </a:xfrm>
           <a:prstGeom prst="roundRect">
             <a:avLst>
@@ -11357,8 +11357,8 @@
         </p:nvSpPr>
         <p:spPr>
           <a:xfrm rot="2744400">
-            <a:off x="-281160" y="-25920"/>
-            <a:ext cx="704520" cy="704160"/>
+            <a:off x="-280800" y="-25560"/>
+            <a:ext cx="704160" cy="703800"/>
           </a:xfrm>
           <a:prstGeom prst="roundRect">
             <a:avLst>
@@ -11396,7 +11396,7 @@
         <p:spPr>
           <a:xfrm rot="2332200">
             <a:off x="6009480" y="-319680"/>
-            <a:ext cx="4855680" cy="7726680"/>
+            <a:ext cx="4855320" cy="7726320"/>
           </a:xfrm>
           <a:prstGeom prst="roundRect">
             <a:avLst>
@@ -11434,9 +11434,9 @@
         <p:grpSpPr>
           <a:xfrm>
             <a:off x="4571640" y="828000"/>
-            <a:ext cx="4468320" cy="3564360"/>
+            <a:ext cx="4467960" cy="3564000"/>
             <a:chOff x="4571640" y="828000"/>
-            <a:chExt cx="4468320" cy="3564360"/>
+            <a:chExt cx="4467960" cy="3564000"/>
           </a:xfrm>
         </p:grpSpPr>
         <p:pic>
@@ -11452,7 +11452,7 @@
           <p:spPr>
             <a:xfrm>
               <a:off x="4571640" y="828000"/>
-              <a:ext cx="4468320" cy="3564360"/>
+              <a:ext cx="4467960" cy="3564000"/>
             </a:xfrm>
             <a:prstGeom prst="rect">
               <a:avLst/>
@@ -11470,8 +11470,8 @@
           </p:nvSpPr>
           <p:spPr>
             <a:xfrm rot="16200000">
-              <a:off x="5962680" y="1158840"/>
-              <a:ext cx="1737360" cy="2771280"/>
+              <a:off x="5962680" y="1159200"/>
+              <a:ext cx="1737000" cy="2770920"/>
             </a:xfrm>
             <a:prstGeom prst="roundRect">
               <a:avLst>
@@ -11538,7 +11538,7 @@
         <p:spPr>
           <a:xfrm>
             <a:off x="5446080" y="1672200"/>
-            <a:ext cx="2770920" cy="1737360"/>
+            <a:ext cx="2770560" cy="1737000"/>
           </a:xfrm>
           <a:prstGeom prst="rect">
             <a:avLst/>
@@ -11590,7 +11590,7 @@
         <p:spPr>
           <a:xfrm>
             <a:off x="586440" y="1246680"/>
-            <a:ext cx="4004280" cy="3600000"/>
+            <a:ext cx="4003920" cy="3599640"/>
           </a:xfrm>
           <a:prstGeom prst="rect">
             <a:avLst/>
@@ -11642,7 +11642,7 @@
         <p:spPr>
           <a:xfrm>
             <a:off x="586440" y="453960"/>
-            <a:ext cx="4764240" cy="855360"/>
+            <a:ext cx="4763880" cy="855000"/>
           </a:xfrm>
           <a:prstGeom prst="rect">
             <a:avLst/>
@@ -11731,7 +11731,7 @@
         <p:spPr>
           <a:xfrm rot="2745600">
             <a:off x="8349840" y="-668160"/>
-            <a:ext cx="1498320" cy="1498320"/>
+            <a:ext cx="1497960" cy="1497960"/>
           </a:xfrm>
           <a:prstGeom prst="roundRect">
             <a:avLst>
@@ -11769,7 +11769,7 @@
         <p:spPr>
           <a:xfrm rot="2745600">
             <a:off x="7634160" y="-322200"/>
-            <a:ext cx="807120" cy="807480"/>
+            <a:ext cx="806760" cy="807120"/>
           </a:xfrm>
           <a:prstGeom prst="roundRect">
             <a:avLst>
@@ -11808,7 +11808,7 @@
         <p:spPr>
           <a:xfrm>
             <a:off x="586440" y="899640"/>
-            <a:ext cx="7931880" cy="1537200"/>
+            <a:ext cx="7931520" cy="1536840"/>
           </a:xfrm>
           <a:prstGeom prst="rect">
             <a:avLst/>
@@ -11860,7 +11860,7 @@
         <p:spPr>
           <a:xfrm>
             <a:off x="608040" y="2545560"/>
-            <a:ext cx="3712320" cy="2255760"/>
+            <a:ext cx="3711960" cy="2255400"/>
           </a:xfrm>
           <a:prstGeom prst="rect">
             <a:avLst/>
@@ -11912,7 +11912,7 @@
         <p:spPr>
           <a:xfrm>
             <a:off x="4806360" y="2545560"/>
-            <a:ext cx="3712320" cy="2255760"/>
+            <a:ext cx="3711960" cy="2255400"/>
           </a:xfrm>
           <a:prstGeom prst="rect">
             <a:avLst/>
@@ -11964,7 +11964,7 @@
         <p:spPr>
           <a:xfrm>
             <a:off x="583200" y="450720"/>
-            <a:ext cx="7198200" cy="512280"/>
+            <a:ext cx="7197840" cy="511920"/>
           </a:xfrm>
           <a:prstGeom prst="rect">
             <a:avLst/>
@@ -12046,7 +12046,7 @@
         <p:spPr>
           <a:xfrm>
             <a:off x="586440" y="1246680"/>
-            <a:ext cx="4004280" cy="3600000"/>
+            <a:ext cx="4003920" cy="3599640"/>
           </a:xfrm>
           <a:prstGeom prst="rect">
             <a:avLst/>
@@ -12098,7 +12098,7 @@
         <p:spPr>
           <a:xfrm>
             <a:off x="559800" y="446040"/>
-            <a:ext cx="4283640" cy="683640"/>
+            <a:ext cx="4283280" cy="683280"/>
           </a:xfrm>
           <a:prstGeom prst="rect">
             <a:avLst/>
@@ -12150,7 +12150,7 @@
         <p:spPr>
           <a:xfrm>
             <a:off x="5097600" y="360"/>
-            <a:ext cx="4379760" cy="5144040"/>
+            <a:ext cx="4379400" cy="5143680"/>
           </a:xfrm>
           <a:prstGeom prst="roundRect">
             <a:avLst>
@@ -12215,8 +12215,8 @@
         </p:nvSpPr>
         <p:spPr>
           <a:xfrm rot="2744400">
-            <a:off x="-281160" y="-25920"/>
-            <a:ext cx="704520" cy="704160"/>
+            <a:off x="-280800" y="-25560"/>
+            <a:ext cx="704160" cy="703800"/>
           </a:xfrm>
           <a:prstGeom prst="roundRect">
             <a:avLst>
@@ -12254,7 +12254,7 @@
         <p:spPr>
           <a:xfrm rot="2625600">
             <a:off x="4861080" y="4146840"/>
-            <a:ext cx="468360" cy="468360"/>
+            <a:ext cx="468000" cy="468000"/>
           </a:xfrm>
           <a:prstGeom prst="roundRect">
             <a:avLst>
@@ -12328,8 +12328,8 @@
         </p:nvSpPr>
         <p:spPr>
           <a:xfrm rot="2744400">
-            <a:off x="-350280" y="4539960"/>
-            <a:ext cx="704520" cy="704160"/>
+            <a:off x="-349920" y="4539960"/>
+            <a:ext cx="704160" cy="703800"/>
           </a:xfrm>
           <a:prstGeom prst="roundRect">
             <a:avLst>
@@ -12366,8 +12366,8 @@
         </p:nvSpPr>
         <p:spPr>
           <a:xfrm rot="19228200">
-            <a:off x="5846400" y="-2266560"/>
-            <a:ext cx="4855320" cy="7726320"/>
+            <a:off x="5846040" y="-2266200"/>
+            <a:ext cx="4854960" cy="7725960"/>
           </a:xfrm>
           <a:prstGeom prst="roundRect">
             <a:avLst>
@@ -12405,9 +12405,9 @@
         <p:grpSpPr>
           <a:xfrm>
             <a:off x="4571640" y="828000"/>
-            <a:ext cx="4468320" cy="3564360"/>
+            <a:ext cx="4467960" cy="3564000"/>
             <a:chOff x="4571640" y="828000"/>
-            <a:chExt cx="4468320" cy="3564360"/>
+            <a:chExt cx="4467960" cy="3564000"/>
           </a:xfrm>
         </p:grpSpPr>
         <p:pic>
@@ -12423,7 +12423,7 @@
           <p:spPr>
             <a:xfrm>
               <a:off x="4571640" y="828000"/>
-              <a:ext cx="4468320" cy="3564360"/>
+              <a:ext cx="4467960" cy="3564000"/>
             </a:xfrm>
             <a:prstGeom prst="rect">
               <a:avLst/>
@@ -12441,8 +12441,8 @@
           </p:nvSpPr>
           <p:spPr>
             <a:xfrm rot="16200000">
-              <a:off x="5962680" y="1158840"/>
-              <a:ext cx="1737360" cy="2771280"/>
+              <a:off x="5962680" y="1159200"/>
+              <a:ext cx="1737000" cy="2770920"/>
             </a:xfrm>
             <a:prstGeom prst="roundRect">
               <a:avLst>
@@ -12509,7 +12509,7 @@
         <p:spPr>
           <a:xfrm>
             <a:off x="586440" y="1246680"/>
-            <a:ext cx="4004280" cy="3600000"/>
+            <a:ext cx="4003920" cy="3599640"/>
           </a:xfrm>
           <a:prstGeom prst="rect">
             <a:avLst/>
@@ -12561,7 +12561,7 @@
         <p:spPr>
           <a:xfrm>
             <a:off x="5446080" y="1672200"/>
-            <a:ext cx="2780280" cy="1737360"/>
+            <a:ext cx="2779920" cy="1737000"/>
           </a:xfrm>
           <a:prstGeom prst="rect">
             <a:avLst/>
@@ -12613,7 +12613,7 @@
         <p:spPr>
           <a:xfrm>
             <a:off x="586440" y="453960"/>
-            <a:ext cx="3696840" cy="855360"/>
+            <a:ext cx="3696480" cy="855000"/>
           </a:xfrm>
           <a:prstGeom prst="rect">
             <a:avLst/>
@@ -12702,7 +12702,7 @@
         <p:spPr>
           <a:xfrm>
             <a:off x="4222080" y="1246680"/>
-            <a:ext cx="4115160" cy="3600000"/>
+            <a:ext cx="4114800" cy="3599640"/>
           </a:xfrm>
           <a:prstGeom prst="rect">
             <a:avLst/>
@@ -12753,8 +12753,8 @@
         </p:nvSpPr>
         <p:spPr>
           <a:xfrm rot="16200000">
-            <a:off x="-2181600" y="1733400"/>
-            <a:ext cx="5144040" cy="1684080"/>
+            <a:off x="-2181600" y="1733760"/>
+            <a:ext cx="5143680" cy="1683720"/>
           </a:xfrm>
           <a:prstGeom prst="roundRect">
             <a:avLst>
@@ -12791,8 +12791,8 @@
         </p:nvSpPr>
         <p:spPr>
           <a:xfrm rot="2745000">
-            <a:off x="8575200" y="103680"/>
-            <a:ext cx="1132560" cy="1132200"/>
+            <a:off x="8575200" y="103320"/>
+            <a:ext cx="1132200" cy="1131840"/>
           </a:xfrm>
           <a:prstGeom prst="roundRect">
             <a:avLst>
@@ -12829,8 +12829,8 @@
         </p:nvSpPr>
         <p:spPr>
           <a:xfrm rot="16200000">
-            <a:off x="614880" y="918720"/>
-            <a:ext cx="3232080" cy="3313800"/>
+            <a:off x="614880" y="919080"/>
+            <a:ext cx="3231720" cy="3313440"/>
           </a:xfrm>
           <a:prstGeom prst="roundRect">
             <a:avLst>
@@ -12896,7 +12896,7 @@
         <p:spPr>
           <a:xfrm>
             <a:off x="4214160" y="456120"/>
-            <a:ext cx="4111920" cy="855360"/>
+            <a:ext cx="4111560" cy="855000"/>
           </a:xfrm>
           <a:prstGeom prst="rect">
             <a:avLst/>
@@ -12984,8 +12984,8 @@
         </p:nvSpPr>
         <p:spPr>
           <a:xfrm rot="2744400">
-            <a:off x="-281160" y="-25920"/>
-            <a:ext cx="704520" cy="704160"/>
+            <a:off x="-280800" y="-25560"/>
+            <a:ext cx="704160" cy="703800"/>
           </a:xfrm>
           <a:prstGeom prst="roundRect">
             <a:avLst>
@@ -13023,7 +13023,7 @@
         <p:spPr>
           <a:xfrm rot="2332200">
             <a:off x="6009480" y="-319680"/>
-            <a:ext cx="4855680" cy="7726680"/>
+            <a:ext cx="4855320" cy="7726320"/>
           </a:xfrm>
           <a:prstGeom prst="roundRect">
             <a:avLst>
@@ -13061,9 +13061,9 @@
         <p:grpSpPr>
           <a:xfrm>
             <a:off x="4571640" y="828000"/>
-            <a:ext cx="4468320" cy="3564360"/>
+            <a:ext cx="4467960" cy="3564000"/>
             <a:chOff x="4571640" y="828000"/>
-            <a:chExt cx="4468320" cy="3564360"/>
+            <a:chExt cx="4467960" cy="3564000"/>
           </a:xfrm>
         </p:grpSpPr>
         <p:pic>
@@ -13079,7 +13079,7 @@
           <p:spPr>
             <a:xfrm>
               <a:off x="4571640" y="828000"/>
-              <a:ext cx="4468320" cy="3564360"/>
+              <a:ext cx="4467960" cy="3564000"/>
             </a:xfrm>
             <a:prstGeom prst="rect">
               <a:avLst/>
@@ -13097,8 +13097,8 @@
           </p:nvSpPr>
           <p:spPr>
             <a:xfrm rot="16200000">
-              <a:off x="5962680" y="1158840"/>
-              <a:ext cx="1737360" cy="2771280"/>
+              <a:off x="5962680" y="1159200"/>
+              <a:ext cx="1737000" cy="2770920"/>
             </a:xfrm>
             <a:prstGeom prst="roundRect">
               <a:avLst>
@@ -13165,7 +13165,7 @@
         <p:spPr>
           <a:xfrm>
             <a:off x="5446080" y="1672200"/>
-            <a:ext cx="2770920" cy="1737360"/>
+            <a:ext cx="2770560" cy="1737000"/>
           </a:xfrm>
           <a:prstGeom prst="rect">
             <a:avLst/>
@@ -13217,7 +13217,7 @@
         <p:spPr>
           <a:xfrm>
             <a:off x="586440" y="1246680"/>
-            <a:ext cx="4004280" cy="3600000"/>
+            <a:ext cx="4003920" cy="3599640"/>
           </a:xfrm>
           <a:prstGeom prst="rect">
             <a:avLst/>
@@ -13269,7 +13269,7 @@
         <p:spPr>
           <a:xfrm>
             <a:off x="586440" y="453960"/>
-            <a:ext cx="4764240" cy="855360"/>
+            <a:ext cx="4763880" cy="855000"/>
           </a:xfrm>
           <a:prstGeom prst="rect">
             <a:avLst/>
@@ -13358,7 +13358,7 @@
         <p:spPr>
           <a:xfrm rot="2745600">
             <a:off x="8349840" y="-668160"/>
-            <a:ext cx="1498320" cy="1498320"/>
+            <a:ext cx="1497960" cy="1497960"/>
           </a:xfrm>
           <a:prstGeom prst="roundRect">
             <a:avLst>
@@ -13396,7 +13396,7 @@
         <p:spPr>
           <a:xfrm rot="2745600">
             <a:off x="7634160" y="-322200"/>
-            <a:ext cx="807120" cy="807480"/>
+            <a:ext cx="806760" cy="807120"/>
           </a:xfrm>
           <a:prstGeom prst="roundRect">
             <a:avLst>
@@ -13435,7 +13435,7 @@
         <p:spPr>
           <a:xfrm>
             <a:off x="586440" y="899640"/>
-            <a:ext cx="7931880" cy="1537200"/>
+            <a:ext cx="7931520" cy="1536840"/>
           </a:xfrm>
           <a:prstGeom prst="rect">
             <a:avLst/>
@@ -13487,7 +13487,7 @@
         <p:spPr>
           <a:xfrm>
             <a:off x="608040" y="2545560"/>
-            <a:ext cx="3712320" cy="2255760"/>
+            <a:ext cx="3711960" cy="2255400"/>
           </a:xfrm>
           <a:prstGeom prst="rect">
             <a:avLst/>
@@ -13539,7 +13539,7 @@
         <p:spPr>
           <a:xfrm>
             <a:off x="4806360" y="2545560"/>
-            <a:ext cx="3712320" cy="2255760"/>
+            <a:ext cx="3711960" cy="2255400"/>
           </a:xfrm>
           <a:prstGeom prst="rect">
             <a:avLst/>
@@ -13591,7 +13591,7 @@
         <p:spPr>
           <a:xfrm>
             <a:off x="583200" y="450720"/>
-            <a:ext cx="7198200" cy="512280"/>
+            <a:ext cx="7197840" cy="511920"/>
           </a:xfrm>
           <a:prstGeom prst="rect">
             <a:avLst/>
@@ -13673,7 +13673,7 @@
         <p:spPr>
           <a:xfrm>
             <a:off x="586440" y="1246680"/>
-            <a:ext cx="4004280" cy="3600000"/>
+            <a:ext cx="4003920" cy="3599640"/>
           </a:xfrm>
           <a:prstGeom prst="rect">
             <a:avLst/>
@@ -13725,7 +13725,7 @@
         <p:spPr>
           <a:xfrm>
             <a:off x="559800" y="446040"/>
-            <a:ext cx="4283640" cy="683640"/>
+            <a:ext cx="4283280" cy="683280"/>
           </a:xfrm>
           <a:prstGeom prst="rect">
             <a:avLst/>
@@ -13777,7 +13777,7 @@
         <p:spPr>
           <a:xfrm>
             <a:off x="5097600" y="360"/>
-            <a:ext cx="4379760" cy="5144040"/>
+            <a:ext cx="4379400" cy="5143680"/>
           </a:xfrm>
           <a:prstGeom prst="roundRect">
             <a:avLst>
@@ -13842,8 +13842,8 @@
         </p:nvSpPr>
         <p:spPr>
           <a:xfrm rot="2744400">
-            <a:off x="-281160" y="-25920"/>
-            <a:ext cx="704520" cy="704160"/>
+            <a:off x="-280800" y="-25560"/>
+            <a:ext cx="704160" cy="703800"/>
           </a:xfrm>
           <a:prstGeom prst="roundRect">
             <a:avLst>
@@ -13881,7 +13881,7 @@
         <p:spPr>
           <a:xfrm rot="2625600">
             <a:off x="4861080" y="4146840"/>
-            <a:ext cx="468360" cy="468360"/>
+            <a:ext cx="468000" cy="468000"/>
           </a:xfrm>
           <a:prstGeom prst="roundRect">
             <a:avLst>
@@ -13955,8 +13955,8 @@
         </p:nvSpPr>
         <p:spPr>
           <a:xfrm rot="2744400">
-            <a:off x="-350280" y="4539960"/>
-            <a:ext cx="704520" cy="704160"/>
+            <a:off x="-349920" y="4539960"/>
+            <a:ext cx="704160" cy="703800"/>
           </a:xfrm>
           <a:prstGeom prst="roundRect">
             <a:avLst>
@@ -13993,8 +13993,8 @@
         </p:nvSpPr>
         <p:spPr>
           <a:xfrm rot="19228200">
-            <a:off x="5846400" y="-2266560"/>
-            <a:ext cx="4855320" cy="7726320"/>
+            <a:off x="5846040" y="-2266200"/>
+            <a:ext cx="4854960" cy="7725960"/>
           </a:xfrm>
           <a:prstGeom prst="roundRect">
             <a:avLst>
@@ -14032,9 +14032,9 @@
         <p:grpSpPr>
           <a:xfrm>
             <a:off x="4571640" y="828000"/>
-            <a:ext cx="4468320" cy="3564360"/>
+            <a:ext cx="4467960" cy="3564000"/>
             <a:chOff x="4571640" y="828000"/>
-            <a:chExt cx="4468320" cy="3564360"/>
+            <a:chExt cx="4467960" cy="3564000"/>
           </a:xfrm>
         </p:grpSpPr>
         <p:pic>
@@ -14050,7 +14050,7 @@
           <p:spPr>
             <a:xfrm>
               <a:off x="4571640" y="828000"/>
-              <a:ext cx="4468320" cy="3564360"/>
+              <a:ext cx="4467960" cy="3564000"/>
             </a:xfrm>
             <a:prstGeom prst="rect">
               <a:avLst/>
@@ -14068,8 +14068,8 @@
           </p:nvSpPr>
           <p:spPr>
             <a:xfrm rot="16200000">
-              <a:off x="5962680" y="1158840"/>
-              <a:ext cx="1737360" cy="2771280"/>
+              <a:off x="5962680" y="1159200"/>
+              <a:ext cx="1737000" cy="2770920"/>
             </a:xfrm>
             <a:prstGeom prst="roundRect">
               <a:avLst>
@@ -14136,7 +14136,7 @@
         <p:spPr>
           <a:xfrm>
             <a:off x="586440" y="1246680"/>
-            <a:ext cx="4004280" cy="3600000"/>
+            <a:ext cx="4003920" cy="3599640"/>
           </a:xfrm>
           <a:prstGeom prst="rect">
             <a:avLst/>
@@ -14188,7 +14188,7 @@
         <p:spPr>
           <a:xfrm>
             <a:off x="5446080" y="1672200"/>
-            <a:ext cx="2780280" cy="1737360"/>
+            <a:ext cx="2779920" cy="1737000"/>
           </a:xfrm>
           <a:prstGeom prst="rect">
             <a:avLst/>
@@ -14240,7 +14240,7 @@
         <p:spPr>
           <a:xfrm>
             <a:off x="586440" y="453960"/>
-            <a:ext cx="3696840" cy="855360"/>
+            <a:ext cx="3696480" cy="855000"/>
           </a:xfrm>
           <a:prstGeom prst="rect">
             <a:avLst/>
@@ -14329,7 +14329,7 @@
         <p:spPr>
           <a:xfrm>
             <a:off x="4222080" y="1246680"/>
-            <a:ext cx="4115160" cy="3600000"/>
+            <a:ext cx="4114800" cy="3599640"/>
           </a:xfrm>
           <a:prstGeom prst="rect">
             <a:avLst/>
@@ -14380,8 +14380,8 @@
         </p:nvSpPr>
         <p:spPr>
           <a:xfrm rot="16200000">
-            <a:off x="-2181600" y="1733400"/>
-            <a:ext cx="5144040" cy="1684080"/>
+            <a:off x="-2181600" y="1733760"/>
+            <a:ext cx="5143680" cy="1683720"/>
           </a:xfrm>
           <a:prstGeom prst="roundRect">
             <a:avLst>
@@ -14418,8 +14418,8 @@
         </p:nvSpPr>
         <p:spPr>
           <a:xfrm rot="2745000">
-            <a:off x="8575200" y="103680"/>
-            <a:ext cx="1132560" cy="1132200"/>
+            <a:off x="8575200" y="103320"/>
+            <a:ext cx="1132200" cy="1131840"/>
           </a:xfrm>
           <a:prstGeom prst="roundRect">
             <a:avLst>
@@ -14456,8 +14456,8 @@
         </p:nvSpPr>
         <p:spPr>
           <a:xfrm rot="16200000">
-            <a:off x="614880" y="918720"/>
-            <a:ext cx="3232080" cy="3313800"/>
+            <a:off x="614880" y="919080"/>
+            <a:ext cx="3231720" cy="3313440"/>
           </a:xfrm>
           <a:prstGeom prst="roundRect">
             <a:avLst>
@@ -14523,7 +14523,7 @@
         <p:spPr>
           <a:xfrm>
             <a:off x="4214160" y="456120"/>
-            <a:ext cx="4111920" cy="855360"/>
+            <a:ext cx="4111560" cy="855000"/>
           </a:xfrm>
           <a:prstGeom prst="rect">
             <a:avLst/>
@@ -14611,8 +14611,8 @@
         </p:nvSpPr>
         <p:spPr>
           <a:xfrm rot="2744400">
-            <a:off x="-350280" y="4539960"/>
-            <a:ext cx="704520" cy="704160"/>
+            <a:off x="-349920" y="4539960"/>
+            <a:ext cx="704160" cy="703800"/>
           </a:xfrm>
           <a:prstGeom prst="roundRect">
             <a:avLst>
@@ -14649,8 +14649,8 @@
         </p:nvSpPr>
         <p:spPr>
           <a:xfrm rot="19228200">
-            <a:off x="5846400" y="-2266560"/>
-            <a:ext cx="4855320" cy="7726320"/>
+            <a:off x="5846040" y="-2266200"/>
+            <a:ext cx="4854960" cy="7725960"/>
           </a:xfrm>
           <a:prstGeom prst="roundRect">
             <a:avLst>
@@ -14688,9 +14688,9 @@
         <p:grpSpPr>
           <a:xfrm>
             <a:off x="4571640" y="828000"/>
-            <a:ext cx="4468320" cy="3564360"/>
+            <a:ext cx="4467960" cy="3564000"/>
             <a:chOff x="4571640" y="828000"/>
-            <a:chExt cx="4468320" cy="3564360"/>
+            <a:chExt cx="4467960" cy="3564000"/>
           </a:xfrm>
         </p:grpSpPr>
         <p:pic>
@@ -14706,7 +14706,7 @@
           <p:spPr>
             <a:xfrm>
               <a:off x="4571640" y="828000"/>
-              <a:ext cx="4468320" cy="3564360"/>
+              <a:ext cx="4467960" cy="3564000"/>
             </a:xfrm>
             <a:prstGeom prst="rect">
               <a:avLst/>
@@ -14724,8 +14724,8 @@
           </p:nvSpPr>
           <p:spPr>
             <a:xfrm rot="16200000">
-              <a:off x="5962680" y="1158840"/>
-              <a:ext cx="1737360" cy="2771280"/>
+              <a:off x="5962680" y="1159200"/>
+              <a:ext cx="1737000" cy="2770920"/>
             </a:xfrm>
             <a:prstGeom prst="roundRect">
               <a:avLst>
@@ -14792,7 +14792,7 @@
         <p:spPr>
           <a:xfrm>
             <a:off x="586440" y="1246680"/>
-            <a:ext cx="4004280" cy="3600000"/>
+            <a:ext cx="4003920" cy="3599640"/>
           </a:xfrm>
           <a:prstGeom prst="rect">
             <a:avLst/>
@@ -14844,7 +14844,7 @@
         <p:spPr>
           <a:xfrm>
             <a:off x="5446080" y="1672200"/>
-            <a:ext cx="2780280" cy="1737360"/>
+            <a:ext cx="2779920" cy="1737000"/>
           </a:xfrm>
           <a:prstGeom prst="rect">
             <a:avLst/>
@@ -14896,7 +14896,7 @@
         <p:spPr>
           <a:xfrm>
             <a:off x="586440" y="453960"/>
-            <a:ext cx="3696840" cy="855360"/>
+            <a:ext cx="3696480" cy="855000"/>
           </a:xfrm>
           <a:prstGeom prst="rect">
             <a:avLst/>
@@ -14984,8 +14984,8 @@
         </p:nvSpPr>
         <p:spPr>
           <a:xfrm rot="2744400">
-            <a:off x="-281160" y="-25920"/>
-            <a:ext cx="704520" cy="704160"/>
+            <a:off x="-280800" y="-25560"/>
+            <a:ext cx="704160" cy="703800"/>
           </a:xfrm>
           <a:prstGeom prst="roundRect">
             <a:avLst>
@@ -15023,7 +15023,7 @@
         <p:spPr>
           <a:xfrm rot="2332200">
             <a:off x="6009480" y="-319680"/>
-            <a:ext cx="4855680" cy="7726680"/>
+            <a:ext cx="4855320" cy="7726320"/>
           </a:xfrm>
           <a:prstGeom prst="roundRect">
             <a:avLst>
@@ -15061,9 +15061,9 @@
         <p:grpSpPr>
           <a:xfrm>
             <a:off x="4571640" y="828000"/>
-            <a:ext cx="4468320" cy="3564360"/>
+            <a:ext cx="4467960" cy="3564000"/>
             <a:chOff x="4571640" y="828000"/>
-            <a:chExt cx="4468320" cy="3564360"/>
+            <a:chExt cx="4467960" cy="3564000"/>
           </a:xfrm>
         </p:grpSpPr>
         <p:pic>
@@ -15079,7 +15079,7 @@
           <p:spPr>
             <a:xfrm>
               <a:off x="4571640" y="828000"/>
-              <a:ext cx="4468320" cy="3564360"/>
+              <a:ext cx="4467960" cy="3564000"/>
             </a:xfrm>
             <a:prstGeom prst="rect">
               <a:avLst/>
@@ -15097,8 +15097,8 @@
           </p:nvSpPr>
           <p:spPr>
             <a:xfrm rot="16200000">
-              <a:off x="5962680" y="1158840"/>
-              <a:ext cx="1737360" cy="2771280"/>
+              <a:off x="5962680" y="1159200"/>
+              <a:ext cx="1737000" cy="2770920"/>
             </a:xfrm>
             <a:prstGeom prst="roundRect">
               <a:avLst>
@@ -15165,7 +15165,7 @@
         <p:spPr>
           <a:xfrm>
             <a:off x="5446080" y="1672200"/>
-            <a:ext cx="2770920" cy="1737360"/>
+            <a:ext cx="2770560" cy="1737000"/>
           </a:xfrm>
           <a:prstGeom prst="rect">
             <a:avLst/>
@@ -15217,7 +15217,7 @@
         <p:spPr>
           <a:xfrm>
             <a:off x="586440" y="1246680"/>
-            <a:ext cx="4004280" cy="3600000"/>
+            <a:ext cx="4003920" cy="3599640"/>
           </a:xfrm>
           <a:prstGeom prst="rect">
             <a:avLst/>
@@ -15269,7 +15269,7 @@
         <p:spPr>
           <a:xfrm>
             <a:off x="586440" y="453960"/>
-            <a:ext cx="4764240" cy="855360"/>
+            <a:ext cx="4763880" cy="855000"/>
           </a:xfrm>
           <a:prstGeom prst="rect">
             <a:avLst/>
@@ -15357,8 +15357,8 @@
         </p:nvSpPr>
         <p:spPr>
           <a:xfrm rot="2744400">
-            <a:off x="-281160" y="-25920"/>
-            <a:ext cx="704520" cy="704160"/>
+            <a:off x="-280800" y="-25560"/>
+            <a:ext cx="704160" cy="703800"/>
           </a:xfrm>
           <a:prstGeom prst="roundRect">
             <a:avLst>
@@ -15396,7 +15396,7 @@
         <p:spPr>
           <a:xfrm>
             <a:off x="569160" y="1888920"/>
-            <a:ext cx="4821120" cy="820800"/>
+            <a:ext cx="4820760" cy="820800"/>
           </a:xfrm>
           <a:prstGeom prst="rect">
             <a:avLst/>
@@ -15448,7 +15448,7 @@
         <p:spPr>
           <a:xfrm rot="18679800">
             <a:off x="6782040" y="457560"/>
-            <a:ext cx="6250680" cy="4666320"/>
+            <a:ext cx="6250320" cy="4665960"/>
           </a:xfrm>
           <a:prstGeom prst="roundRect">
             <a:avLst>
@@ -15486,7 +15486,7 @@
         <p:spPr>
           <a:xfrm rot="2625600">
             <a:off x="6024960" y="4332960"/>
-            <a:ext cx="468360" cy="468360"/>
+            <a:ext cx="468000" cy="468000"/>
           </a:xfrm>
           <a:prstGeom prst="roundRect">
             <a:avLst>
@@ -15524,7 +15524,7 @@
         <p:spPr>
           <a:xfrm>
             <a:off x="1640880" y="4592880"/>
-            <a:ext cx="2995560" cy="266400"/>
+            <a:ext cx="2995200" cy="266040"/>
           </a:xfrm>
           <a:prstGeom prst="rect">
             <a:avLst/>
@@ -15586,7 +15586,7 @@
         <p:spPr>
           <a:xfrm>
             <a:off x="867240" y="3590280"/>
-            <a:ext cx="253440" cy="253800"/>
+            <a:ext cx="253080" cy="253440"/>
           </a:xfrm>
           <a:prstGeom prst="ellipse">
             <a:avLst/>
@@ -15621,7 +15621,7 @@
         <p:spPr>
           <a:xfrm>
             <a:off x="351000" y="3793320"/>
-            <a:ext cx="1285920" cy="1131480"/>
+            <a:ext cx="1285560" cy="1131120"/>
           </a:xfrm>
           <a:prstGeom prst="rect">
             <a:avLst/>
@@ -15677,7 +15677,7 @@
         <p:spPr>
           <a:xfrm>
             <a:off x="4222080" y="1246680"/>
-            <a:ext cx="4115160" cy="3600000"/>
+            <a:ext cx="4114800" cy="3599640"/>
           </a:xfrm>
           <a:prstGeom prst="rect">
             <a:avLst/>
@@ -15728,8 +15728,8 @@
         </p:nvSpPr>
         <p:spPr>
           <a:xfrm rot="16200000">
-            <a:off x="-2181600" y="1733400"/>
-            <a:ext cx="5144040" cy="1684080"/>
+            <a:off x="-2181600" y="1733760"/>
+            <a:ext cx="5143680" cy="1683720"/>
           </a:xfrm>
           <a:prstGeom prst="roundRect">
             <a:avLst>
@@ -15766,8 +15766,8 @@
         </p:nvSpPr>
         <p:spPr>
           <a:xfrm rot="2745000">
-            <a:off x="8575200" y="103680"/>
-            <a:ext cx="1132560" cy="1132200"/>
+            <a:off x="8575200" y="103320"/>
+            <a:ext cx="1132200" cy="1131840"/>
           </a:xfrm>
           <a:prstGeom prst="roundRect">
             <a:avLst>
@@ -15804,8 +15804,8 @@
         </p:nvSpPr>
         <p:spPr>
           <a:xfrm rot="16200000">
-            <a:off x="614880" y="918720"/>
-            <a:ext cx="3232080" cy="3313800"/>
+            <a:off x="614880" y="919080"/>
+            <a:ext cx="3231720" cy="3313440"/>
           </a:xfrm>
           <a:prstGeom prst="roundRect">
             <a:avLst>
@@ -15871,7 +15871,7 @@
         <p:spPr>
           <a:xfrm>
             <a:off x="4214160" y="456120"/>
-            <a:ext cx="4111920" cy="855360"/>
+            <a:ext cx="4111560" cy="855000"/>
           </a:xfrm>
           <a:prstGeom prst="rect">
             <a:avLst/>
@@ -15959,8 +15959,8 @@
         </p:nvSpPr>
         <p:spPr>
           <a:xfrm rot="2744400">
-            <a:off x="-281160" y="-25920"/>
-            <a:ext cx="704520" cy="704160"/>
+            <a:off x="-280800" y="-25560"/>
+            <a:ext cx="704160" cy="703800"/>
           </a:xfrm>
           <a:prstGeom prst="roundRect">
             <a:avLst>
@@ -15998,7 +15998,7 @@
         <p:spPr>
           <a:xfrm rot="2332200">
             <a:off x="6009480" y="-319680"/>
-            <a:ext cx="4855680" cy="7726680"/>
+            <a:ext cx="4855320" cy="7726320"/>
           </a:xfrm>
           <a:prstGeom prst="roundRect">
             <a:avLst>
@@ -16036,9 +16036,9 @@
         <p:grpSpPr>
           <a:xfrm>
             <a:off x="4571640" y="828000"/>
-            <a:ext cx="4468320" cy="3564360"/>
+            <a:ext cx="4467960" cy="3564000"/>
             <a:chOff x="4571640" y="828000"/>
-            <a:chExt cx="4468320" cy="3564360"/>
+            <a:chExt cx="4467960" cy="3564000"/>
           </a:xfrm>
         </p:grpSpPr>
         <p:pic>
@@ -16054,7 +16054,7 @@
           <p:spPr>
             <a:xfrm>
               <a:off x="4571640" y="828000"/>
-              <a:ext cx="4468320" cy="3564360"/>
+              <a:ext cx="4467960" cy="3564000"/>
             </a:xfrm>
             <a:prstGeom prst="rect">
               <a:avLst/>
@@ -16072,8 +16072,8 @@
           </p:nvSpPr>
           <p:spPr>
             <a:xfrm rot="16200000">
-              <a:off x="5962680" y="1158840"/>
-              <a:ext cx="1737360" cy="2771280"/>
+              <a:off x="5962680" y="1159200"/>
+              <a:ext cx="1737000" cy="2770920"/>
             </a:xfrm>
             <a:prstGeom prst="roundRect">
               <a:avLst>
@@ -16140,7 +16140,7 @@
         <p:spPr>
           <a:xfrm>
             <a:off x="5446080" y="1672200"/>
-            <a:ext cx="2770920" cy="1737360"/>
+            <a:ext cx="2770560" cy="1737000"/>
           </a:xfrm>
           <a:prstGeom prst="rect">
             <a:avLst/>
@@ -16192,7 +16192,7 @@
         <p:spPr>
           <a:xfrm>
             <a:off x="586440" y="1246680"/>
-            <a:ext cx="4004280" cy="3600000"/>
+            <a:ext cx="4003920" cy="3599640"/>
           </a:xfrm>
           <a:prstGeom prst="rect">
             <a:avLst/>
@@ -16244,7 +16244,7 @@
         <p:spPr>
           <a:xfrm>
             <a:off x="586440" y="453960"/>
-            <a:ext cx="4764240" cy="855360"/>
+            <a:ext cx="4763880" cy="855000"/>
           </a:xfrm>
           <a:prstGeom prst="rect">
             <a:avLst/>
@@ -16333,7 +16333,7 @@
         <p:spPr>
           <a:xfrm rot="2745600">
             <a:off x="8349840" y="-668160"/>
-            <a:ext cx="1498320" cy="1498320"/>
+            <a:ext cx="1497960" cy="1497960"/>
           </a:xfrm>
           <a:prstGeom prst="roundRect">
             <a:avLst>
@@ -16371,7 +16371,7 @@
         <p:spPr>
           <a:xfrm rot="2745600">
             <a:off x="7634160" y="-322200"/>
-            <a:ext cx="807120" cy="807480"/>
+            <a:ext cx="806760" cy="807120"/>
           </a:xfrm>
           <a:prstGeom prst="roundRect">
             <a:avLst>
@@ -16410,7 +16410,7 @@
         <p:spPr>
           <a:xfrm>
             <a:off x="586440" y="899640"/>
-            <a:ext cx="7931880" cy="1537200"/>
+            <a:ext cx="7931520" cy="1536840"/>
           </a:xfrm>
           <a:prstGeom prst="rect">
             <a:avLst/>
@@ -16462,7 +16462,7 @@
         <p:spPr>
           <a:xfrm>
             <a:off x="608040" y="2545560"/>
-            <a:ext cx="3712320" cy="2255760"/>
+            <a:ext cx="3711960" cy="2255400"/>
           </a:xfrm>
           <a:prstGeom prst="rect">
             <a:avLst/>
@@ -16514,7 +16514,7 @@
         <p:spPr>
           <a:xfrm>
             <a:off x="4806360" y="2545560"/>
-            <a:ext cx="3712320" cy="2255760"/>
+            <a:ext cx="3711960" cy="2255400"/>
           </a:xfrm>
           <a:prstGeom prst="rect">
             <a:avLst/>
@@ -16566,7 +16566,7 @@
         <p:spPr>
           <a:xfrm>
             <a:off x="583200" y="450720"/>
-            <a:ext cx="7198200" cy="512280"/>
+            <a:ext cx="7197840" cy="511920"/>
           </a:xfrm>
           <a:prstGeom prst="rect">
             <a:avLst/>
@@ -16648,7 +16648,7 @@
         <p:spPr>
           <a:xfrm>
             <a:off x="586440" y="1246680"/>
-            <a:ext cx="4004280" cy="3600000"/>
+            <a:ext cx="4003920" cy="3599640"/>
           </a:xfrm>
           <a:prstGeom prst="rect">
             <a:avLst/>
@@ -16700,7 +16700,7 @@
         <p:spPr>
           <a:xfrm>
             <a:off x="559800" y="446040"/>
-            <a:ext cx="4283640" cy="683640"/>
+            <a:ext cx="4283280" cy="683280"/>
           </a:xfrm>
           <a:prstGeom prst="rect">
             <a:avLst/>
@@ -16752,7 +16752,7 @@
         <p:spPr>
           <a:xfrm>
             <a:off x="5097600" y="360"/>
-            <a:ext cx="4379760" cy="5144040"/>
+            <a:ext cx="4379400" cy="5143680"/>
           </a:xfrm>
           <a:prstGeom prst="roundRect">
             <a:avLst>
@@ -16817,8 +16817,8 @@
         </p:nvSpPr>
         <p:spPr>
           <a:xfrm rot="2744400">
-            <a:off x="-281160" y="-25920"/>
-            <a:ext cx="704520" cy="704160"/>
+            <a:off x="-280800" y="-25560"/>
+            <a:ext cx="704160" cy="703800"/>
           </a:xfrm>
           <a:prstGeom prst="roundRect">
             <a:avLst>
@@ -16856,7 +16856,7 @@
         <p:spPr>
           <a:xfrm rot="2625600">
             <a:off x="4861080" y="4146840"/>
-            <a:ext cx="468360" cy="468360"/>
+            <a:ext cx="468000" cy="468000"/>
           </a:xfrm>
           <a:prstGeom prst="roundRect">
             <a:avLst>
@@ -16930,8 +16930,8 @@
         </p:nvSpPr>
         <p:spPr>
           <a:xfrm rot="2744400">
-            <a:off x="-350280" y="4539960"/>
-            <a:ext cx="704520" cy="704160"/>
+            <a:off x="-349920" y="4539960"/>
+            <a:ext cx="704160" cy="703800"/>
           </a:xfrm>
           <a:prstGeom prst="roundRect">
             <a:avLst>
@@ -16968,8 +16968,8 @@
         </p:nvSpPr>
         <p:spPr>
           <a:xfrm rot="19228200">
-            <a:off x="5846400" y="-2266560"/>
-            <a:ext cx="4855320" cy="7726320"/>
+            <a:off x="5846040" y="-2266200"/>
+            <a:ext cx="4854960" cy="7725960"/>
           </a:xfrm>
           <a:prstGeom prst="roundRect">
             <a:avLst>
@@ -17007,9 +17007,9 @@
         <p:grpSpPr>
           <a:xfrm>
             <a:off x="4571640" y="828000"/>
-            <a:ext cx="4468320" cy="3564360"/>
+            <a:ext cx="4467960" cy="3564000"/>
             <a:chOff x="4571640" y="828000"/>
-            <a:chExt cx="4468320" cy="3564360"/>
+            <a:chExt cx="4467960" cy="3564000"/>
           </a:xfrm>
         </p:grpSpPr>
         <p:pic>
@@ -17025,7 +17025,7 @@
           <p:spPr>
             <a:xfrm>
               <a:off x="4571640" y="828000"/>
-              <a:ext cx="4468320" cy="3564360"/>
+              <a:ext cx="4467960" cy="3564000"/>
             </a:xfrm>
             <a:prstGeom prst="rect">
               <a:avLst/>
@@ -17043,8 +17043,8 @@
           </p:nvSpPr>
           <p:spPr>
             <a:xfrm rot="16200000">
-              <a:off x="5962680" y="1158840"/>
-              <a:ext cx="1737360" cy="2771280"/>
+              <a:off x="5962680" y="1159200"/>
+              <a:ext cx="1737000" cy="2770920"/>
             </a:xfrm>
             <a:prstGeom prst="roundRect">
               <a:avLst>
@@ -17111,7 +17111,7 @@
         <p:spPr>
           <a:xfrm>
             <a:off x="586440" y="1246680"/>
-            <a:ext cx="4004280" cy="3600000"/>
+            <a:ext cx="4003920" cy="3599640"/>
           </a:xfrm>
           <a:prstGeom prst="rect">
             <a:avLst/>
@@ -17163,7 +17163,7 @@
         <p:spPr>
           <a:xfrm>
             <a:off x="5446080" y="1672200"/>
-            <a:ext cx="2780280" cy="1737360"/>
+            <a:ext cx="2779920" cy="1737000"/>
           </a:xfrm>
           <a:prstGeom prst="rect">
             <a:avLst/>
@@ -17215,7 +17215,7 @@
         <p:spPr>
           <a:xfrm>
             <a:off x="586440" y="453960"/>
-            <a:ext cx="3696840" cy="855360"/>
+            <a:ext cx="3696480" cy="855000"/>
           </a:xfrm>
           <a:prstGeom prst="rect">
             <a:avLst/>
@@ -17304,7 +17304,7 @@
         <p:spPr>
           <a:xfrm>
             <a:off x="4222080" y="1246680"/>
-            <a:ext cx="4115160" cy="3600000"/>
+            <a:ext cx="4114800" cy="3599640"/>
           </a:xfrm>
           <a:prstGeom prst="rect">
             <a:avLst/>
@@ -17355,8 +17355,8 @@
         </p:nvSpPr>
         <p:spPr>
           <a:xfrm rot="16200000">
-            <a:off x="-2181600" y="1733400"/>
-            <a:ext cx="5144040" cy="1684080"/>
+            <a:off x="-2181600" y="1733760"/>
+            <a:ext cx="5143680" cy="1683720"/>
           </a:xfrm>
           <a:prstGeom prst="roundRect">
             <a:avLst>
@@ -17393,8 +17393,8 @@
         </p:nvSpPr>
         <p:spPr>
           <a:xfrm rot="2745000">
-            <a:off x="8575200" y="103680"/>
-            <a:ext cx="1132560" cy="1132200"/>
+            <a:off x="8575200" y="103320"/>
+            <a:ext cx="1132200" cy="1131840"/>
           </a:xfrm>
           <a:prstGeom prst="roundRect">
             <a:avLst>
@@ -17431,8 +17431,8 @@
         </p:nvSpPr>
         <p:spPr>
           <a:xfrm rot="16200000">
-            <a:off x="614880" y="918720"/>
-            <a:ext cx="3232080" cy="3313800"/>
+            <a:off x="614880" y="919080"/>
+            <a:ext cx="3231720" cy="3313440"/>
           </a:xfrm>
           <a:prstGeom prst="roundRect">
             <a:avLst>
@@ -17498,7 +17498,7 @@
         <p:spPr>
           <a:xfrm>
             <a:off x="4214160" y="456120"/>
-            <a:ext cx="4111920" cy="855360"/>
+            <a:ext cx="4111560" cy="855000"/>
           </a:xfrm>
           <a:prstGeom prst="rect">
             <a:avLst/>
